--- a/제출용/6팀_발표자료.pptx
+++ b/제출용/6팀_발표자료.pptx
@@ -20,6 +20,8 @@
     <p:sldId id="272" r:id="rId14"/>
     <p:sldId id="267" r:id="rId15"/>
     <p:sldId id="268" r:id="rId16"/>
+    <p:sldId id="274" r:id="rId17"/>
+    <p:sldId id="275" r:id="rId18"/>
   </p:sldIdLst>
   <p:sldSz cx="12192000" cy="6858000"/>
   <p:notesSz cx="6858000" cy="9144000"/>
@@ -157,18 +159,17 @@
               </a:defRPr>
             </a:pPr>
             <a:r>
-              <a:rPr lang="en-US" altLang="ko-KR" smtClean="0"/>
+              <a:rPr lang="en-US" altLang="ko-KR"/>
               <a:t>Time Comparison between</a:t>
             </a:r>
             <a:r>
-              <a:rPr lang="en-US" altLang="ko-KR" baseline="0" smtClean="0"/>
+              <a:rPr lang="en-US" altLang="ko-KR" baseline="0"/>
               <a:t> Serial / Parallel (Logscaled)</a:t>
             </a:r>
             <a:endParaRPr lang="ko-KR"/>
           </a:p>
         </c:rich>
       </c:tx>
-      <c:layout/>
       <c:overlay val="0"/>
       <c:spPr>
         <a:noFill/>
@@ -369,18 +370,17 @@
                   </a:defRPr>
                 </a:pPr>
                 <a:r>
-                  <a:rPr lang="en-US" altLang="ko-KR" smtClean="0"/>
+                  <a:rPr lang="en-US" altLang="ko-KR"/>
                   <a:t>Dataset</a:t>
                 </a:r>
                 <a:r>
-                  <a:rPr lang="en-US" altLang="ko-KR" baseline="0" smtClean="0"/>
+                  <a:rPr lang="en-US" altLang="ko-KR" baseline="0"/>
                   <a:t> Size</a:t>
                 </a:r>
                 <a:endParaRPr lang="ko-KR" altLang="en-US"/>
               </a:p>
             </c:rich>
           </c:tx>
-          <c:layout/>
           <c:overlay val="0"/>
           <c:spPr>
             <a:noFill/>
@@ -487,7 +487,7 @@
                   </a:defRPr>
                 </a:pPr>
                 <a:r>
-                  <a:rPr lang="en-US" altLang="ko-KR" smtClean="0"/>
+                  <a:rPr lang="en-US" altLang="ko-KR"/>
                   <a:t>Logscaled Time Elapsed(ms)</a:t>
                 </a:r>
                 <a:endParaRPr lang="ko-KR" altLang="en-US"/>
@@ -1258,10 +1258,9 @@
           </a:lstStyle>
           <a:p>
             <a:r>
-              <a:rPr lang="ko-KR" altLang="en-US" smtClean="0"/>
+              <a:rPr lang="ko-KR" altLang="en-US"/>
               <a:t>마스터 제목 스타일 편집</a:t>
             </a:r>
-            <a:endParaRPr lang="ko-KR" altLang="en-US"/>
           </a:p>
         </p:txBody>
       </p:sp>
@@ -1323,10 +1322,9 @@
           </a:lstStyle>
           <a:p>
             <a:r>
-              <a:rPr lang="ko-KR" altLang="en-US" smtClean="0"/>
+              <a:rPr lang="ko-KR" altLang="en-US"/>
               <a:t>클릭하여 마스터 부제목 스타일 편집</a:t>
             </a:r>
-            <a:endParaRPr lang="ko-KR" altLang="en-US"/>
           </a:p>
         </p:txBody>
       </p:sp>
@@ -1347,7 +1345,7 @@
           <a:p>
             <a:fld id="{4DE4CDB8-58EE-42E2-9939-912AFB53D728}" type="datetimeFigureOut">
               <a:rPr lang="ko-KR" altLang="en-US" smtClean="0"/>
-              <a:t>2020-05-08</a:t>
+              <a:t>2020-06-02</a:t>
             </a:fld>
             <a:endParaRPr lang="ko-KR" altLang="en-US"/>
           </a:p>
@@ -1441,10 +1439,9 @@
           <a:lstStyle/>
           <a:p>
             <a:r>
-              <a:rPr lang="ko-KR" altLang="en-US" smtClean="0"/>
+              <a:rPr lang="ko-KR" altLang="en-US"/>
               <a:t>마스터 제목 스타일 편집</a:t>
             </a:r>
-            <a:endParaRPr lang="ko-KR" altLang="en-US"/>
           </a:p>
         </p:txBody>
       </p:sp>
@@ -1465,38 +1462,37 @@
           <a:p>
             <a:pPr lvl="0"/>
             <a:r>
-              <a:rPr lang="ko-KR" altLang="en-US" smtClean="0"/>
+              <a:rPr lang="ko-KR" altLang="en-US"/>
               <a:t>마스터 텍스트 스타일 편집</a:t>
             </a:r>
           </a:p>
           <a:p>
             <a:pPr lvl="1"/>
             <a:r>
-              <a:rPr lang="ko-KR" altLang="en-US" smtClean="0"/>
+              <a:rPr lang="ko-KR" altLang="en-US"/>
               <a:t>둘째 수준</a:t>
             </a:r>
           </a:p>
           <a:p>
             <a:pPr lvl="2"/>
             <a:r>
-              <a:rPr lang="ko-KR" altLang="en-US" smtClean="0"/>
+              <a:rPr lang="ko-KR" altLang="en-US"/>
               <a:t>셋째 수준</a:t>
             </a:r>
           </a:p>
           <a:p>
             <a:pPr lvl="3"/>
             <a:r>
-              <a:rPr lang="ko-KR" altLang="en-US" smtClean="0"/>
+              <a:rPr lang="ko-KR" altLang="en-US"/>
               <a:t>넷째 수준</a:t>
             </a:r>
           </a:p>
           <a:p>
             <a:pPr lvl="4"/>
             <a:r>
-              <a:rPr lang="ko-KR" altLang="en-US" smtClean="0"/>
+              <a:rPr lang="ko-KR" altLang="en-US"/>
               <a:t>다섯째 수준</a:t>
             </a:r>
-            <a:endParaRPr lang="ko-KR" altLang="en-US"/>
           </a:p>
         </p:txBody>
       </p:sp>
@@ -1517,7 +1513,7 @@
           <a:p>
             <a:fld id="{4DE4CDB8-58EE-42E2-9939-912AFB53D728}" type="datetimeFigureOut">
               <a:rPr lang="ko-KR" altLang="en-US" smtClean="0"/>
-              <a:t>2020-05-08</a:t>
+              <a:t>2020-06-02</a:t>
             </a:fld>
             <a:endParaRPr lang="ko-KR" altLang="en-US"/>
           </a:p>
@@ -1616,10 +1612,9 @@
           <a:lstStyle/>
           <a:p>
             <a:r>
-              <a:rPr lang="ko-KR" altLang="en-US" smtClean="0"/>
+              <a:rPr lang="ko-KR" altLang="en-US"/>
               <a:t>마스터 제목 스타일 편집</a:t>
             </a:r>
-            <a:endParaRPr lang="ko-KR" altLang="en-US"/>
           </a:p>
         </p:txBody>
       </p:sp>
@@ -1645,38 +1640,37 @@
           <a:p>
             <a:pPr lvl="0"/>
             <a:r>
-              <a:rPr lang="ko-KR" altLang="en-US" smtClean="0"/>
+              <a:rPr lang="ko-KR" altLang="en-US"/>
               <a:t>마스터 텍스트 스타일 편집</a:t>
             </a:r>
           </a:p>
           <a:p>
             <a:pPr lvl="1"/>
             <a:r>
-              <a:rPr lang="ko-KR" altLang="en-US" smtClean="0"/>
+              <a:rPr lang="ko-KR" altLang="en-US"/>
               <a:t>둘째 수준</a:t>
             </a:r>
           </a:p>
           <a:p>
             <a:pPr lvl="2"/>
             <a:r>
-              <a:rPr lang="ko-KR" altLang="en-US" smtClean="0"/>
+              <a:rPr lang="ko-KR" altLang="en-US"/>
               <a:t>셋째 수준</a:t>
             </a:r>
           </a:p>
           <a:p>
             <a:pPr lvl="3"/>
             <a:r>
-              <a:rPr lang="ko-KR" altLang="en-US" smtClean="0"/>
+              <a:rPr lang="ko-KR" altLang="en-US"/>
               <a:t>넷째 수준</a:t>
             </a:r>
           </a:p>
           <a:p>
             <a:pPr lvl="4"/>
             <a:r>
-              <a:rPr lang="ko-KR" altLang="en-US" smtClean="0"/>
+              <a:rPr lang="ko-KR" altLang="en-US"/>
               <a:t>다섯째 수준</a:t>
             </a:r>
-            <a:endParaRPr lang="ko-KR" altLang="en-US"/>
           </a:p>
         </p:txBody>
       </p:sp>
@@ -1697,7 +1691,7 @@
           <a:p>
             <a:fld id="{4DE4CDB8-58EE-42E2-9939-912AFB53D728}" type="datetimeFigureOut">
               <a:rPr lang="ko-KR" altLang="en-US" smtClean="0"/>
-              <a:t>2020-05-08</a:t>
+              <a:t>2020-06-02</a:t>
             </a:fld>
             <a:endParaRPr lang="ko-KR" altLang="en-US"/>
           </a:p>
@@ -1791,10 +1785,9 @@
           <a:lstStyle/>
           <a:p>
             <a:r>
-              <a:rPr lang="ko-KR" altLang="en-US" smtClean="0"/>
+              <a:rPr lang="ko-KR" altLang="en-US"/>
               <a:t>마스터 제목 스타일 편집</a:t>
             </a:r>
-            <a:endParaRPr lang="ko-KR" altLang="en-US"/>
           </a:p>
         </p:txBody>
       </p:sp>
@@ -1815,38 +1808,37 @@
           <a:p>
             <a:pPr lvl="0"/>
             <a:r>
-              <a:rPr lang="ko-KR" altLang="en-US" smtClean="0"/>
+              <a:rPr lang="ko-KR" altLang="en-US"/>
               <a:t>마스터 텍스트 스타일 편집</a:t>
             </a:r>
           </a:p>
           <a:p>
             <a:pPr lvl="1"/>
             <a:r>
-              <a:rPr lang="ko-KR" altLang="en-US" smtClean="0"/>
+              <a:rPr lang="ko-KR" altLang="en-US"/>
               <a:t>둘째 수준</a:t>
             </a:r>
           </a:p>
           <a:p>
             <a:pPr lvl="2"/>
             <a:r>
-              <a:rPr lang="ko-KR" altLang="en-US" smtClean="0"/>
+              <a:rPr lang="ko-KR" altLang="en-US"/>
               <a:t>셋째 수준</a:t>
             </a:r>
           </a:p>
           <a:p>
             <a:pPr lvl="3"/>
             <a:r>
-              <a:rPr lang="ko-KR" altLang="en-US" smtClean="0"/>
+              <a:rPr lang="ko-KR" altLang="en-US"/>
               <a:t>넷째 수준</a:t>
             </a:r>
           </a:p>
           <a:p>
             <a:pPr lvl="4"/>
             <a:r>
-              <a:rPr lang="ko-KR" altLang="en-US" smtClean="0"/>
+              <a:rPr lang="ko-KR" altLang="en-US"/>
               <a:t>다섯째 수준</a:t>
             </a:r>
-            <a:endParaRPr lang="ko-KR" altLang="en-US"/>
           </a:p>
         </p:txBody>
       </p:sp>
@@ -1867,7 +1859,7 @@
           <a:p>
             <a:fld id="{4DE4CDB8-58EE-42E2-9939-912AFB53D728}" type="datetimeFigureOut">
               <a:rPr lang="ko-KR" altLang="en-US" smtClean="0"/>
-              <a:t>2020-05-08</a:t>
+              <a:t>2020-06-02</a:t>
             </a:fld>
             <a:endParaRPr lang="ko-KR" altLang="en-US"/>
           </a:p>
@@ -1970,10 +1962,9 @@
           </a:lstStyle>
           <a:p>
             <a:r>
-              <a:rPr lang="ko-KR" altLang="en-US" smtClean="0"/>
+              <a:rPr lang="ko-KR" altLang="en-US"/>
               <a:t>마스터 제목 스타일 편집</a:t>
             </a:r>
-            <a:endParaRPr lang="ko-KR" altLang="en-US"/>
           </a:p>
         </p:txBody>
       </p:sp>
@@ -2090,7 +2081,7 @@
           <a:p>
             <a:pPr lvl="0"/>
             <a:r>
-              <a:rPr lang="ko-KR" altLang="en-US" smtClean="0"/>
+              <a:rPr lang="ko-KR" altLang="en-US"/>
               <a:t>마스터 텍스트 스타일 편집</a:t>
             </a:r>
           </a:p>
@@ -2113,7 +2104,7 @@
           <a:p>
             <a:fld id="{4DE4CDB8-58EE-42E2-9939-912AFB53D728}" type="datetimeFigureOut">
               <a:rPr lang="ko-KR" altLang="en-US" smtClean="0"/>
-              <a:t>2020-05-08</a:t>
+              <a:t>2020-06-02</a:t>
             </a:fld>
             <a:endParaRPr lang="ko-KR" altLang="en-US"/>
           </a:p>
@@ -2207,10 +2198,9 @@
           <a:lstStyle/>
           <a:p>
             <a:r>
-              <a:rPr lang="ko-KR" altLang="en-US" smtClean="0"/>
+              <a:rPr lang="ko-KR" altLang="en-US"/>
               <a:t>마스터 제목 스타일 편집</a:t>
             </a:r>
-            <a:endParaRPr lang="ko-KR" altLang="en-US"/>
           </a:p>
         </p:txBody>
       </p:sp>
@@ -2236,38 +2226,37 @@
           <a:p>
             <a:pPr lvl="0"/>
             <a:r>
-              <a:rPr lang="ko-KR" altLang="en-US" smtClean="0"/>
+              <a:rPr lang="ko-KR" altLang="en-US"/>
               <a:t>마스터 텍스트 스타일 편집</a:t>
             </a:r>
           </a:p>
           <a:p>
             <a:pPr lvl="1"/>
             <a:r>
-              <a:rPr lang="ko-KR" altLang="en-US" smtClean="0"/>
+              <a:rPr lang="ko-KR" altLang="en-US"/>
               <a:t>둘째 수준</a:t>
             </a:r>
           </a:p>
           <a:p>
             <a:pPr lvl="2"/>
             <a:r>
-              <a:rPr lang="ko-KR" altLang="en-US" smtClean="0"/>
+              <a:rPr lang="ko-KR" altLang="en-US"/>
               <a:t>셋째 수준</a:t>
             </a:r>
           </a:p>
           <a:p>
             <a:pPr lvl="3"/>
             <a:r>
-              <a:rPr lang="ko-KR" altLang="en-US" smtClean="0"/>
+              <a:rPr lang="ko-KR" altLang="en-US"/>
               <a:t>넷째 수준</a:t>
             </a:r>
           </a:p>
           <a:p>
             <a:pPr lvl="4"/>
             <a:r>
-              <a:rPr lang="ko-KR" altLang="en-US" smtClean="0"/>
+              <a:rPr lang="ko-KR" altLang="en-US"/>
               <a:t>다섯째 수준</a:t>
             </a:r>
-            <a:endParaRPr lang="ko-KR" altLang="en-US"/>
           </a:p>
         </p:txBody>
       </p:sp>
@@ -2293,38 +2282,37 @@
           <a:p>
             <a:pPr lvl="0"/>
             <a:r>
-              <a:rPr lang="ko-KR" altLang="en-US" smtClean="0"/>
+              <a:rPr lang="ko-KR" altLang="en-US"/>
               <a:t>마스터 텍스트 스타일 편집</a:t>
             </a:r>
           </a:p>
           <a:p>
             <a:pPr lvl="1"/>
             <a:r>
-              <a:rPr lang="ko-KR" altLang="en-US" smtClean="0"/>
+              <a:rPr lang="ko-KR" altLang="en-US"/>
               <a:t>둘째 수준</a:t>
             </a:r>
           </a:p>
           <a:p>
             <a:pPr lvl="2"/>
             <a:r>
-              <a:rPr lang="ko-KR" altLang="en-US" smtClean="0"/>
+              <a:rPr lang="ko-KR" altLang="en-US"/>
               <a:t>셋째 수준</a:t>
             </a:r>
           </a:p>
           <a:p>
             <a:pPr lvl="3"/>
             <a:r>
-              <a:rPr lang="ko-KR" altLang="en-US" smtClean="0"/>
+              <a:rPr lang="ko-KR" altLang="en-US"/>
               <a:t>넷째 수준</a:t>
             </a:r>
           </a:p>
           <a:p>
             <a:pPr lvl="4"/>
             <a:r>
-              <a:rPr lang="ko-KR" altLang="en-US" smtClean="0"/>
+              <a:rPr lang="ko-KR" altLang="en-US"/>
               <a:t>다섯째 수준</a:t>
             </a:r>
-            <a:endParaRPr lang="ko-KR" altLang="en-US"/>
           </a:p>
         </p:txBody>
       </p:sp>
@@ -2345,7 +2333,7 @@
           <a:p>
             <a:fld id="{4DE4CDB8-58EE-42E2-9939-912AFB53D728}" type="datetimeFigureOut">
               <a:rPr lang="ko-KR" altLang="en-US" smtClean="0"/>
-              <a:t>2020-05-08</a:t>
+              <a:t>2020-06-02</a:t>
             </a:fld>
             <a:endParaRPr lang="ko-KR" altLang="en-US"/>
           </a:p>
@@ -2444,10 +2432,9 @@
           <a:lstStyle/>
           <a:p>
             <a:r>
-              <a:rPr lang="ko-KR" altLang="en-US" smtClean="0"/>
+              <a:rPr lang="ko-KR" altLang="en-US"/>
               <a:t>마스터 제목 스타일 편집</a:t>
             </a:r>
-            <a:endParaRPr lang="ko-KR" altLang="en-US"/>
           </a:p>
         </p:txBody>
       </p:sp>
@@ -2510,7 +2497,7 @@
           <a:p>
             <a:pPr lvl="0"/>
             <a:r>
-              <a:rPr lang="ko-KR" altLang="en-US" smtClean="0"/>
+              <a:rPr lang="ko-KR" altLang="en-US"/>
               <a:t>마스터 텍스트 스타일 편집</a:t>
             </a:r>
           </a:p>
@@ -2538,38 +2525,37 @@
           <a:p>
             <a:pPr lvl="0"/>
             <a:r>
-              <a:rPr lang="ko-KR" altLang="en-US" smtClean="0"/>
+              <a:rPr lang="ko-KR" altLang="en-US"/>
               <a:t>마스터 텍스트 스타일 편집</a:t>
             </a:r>
           </a:p>
           <a:p>
             <a:pPr lvl="1"/>
             <a:r>
-              <a:rPr lang="ko-KR" altLang="en-US" smtClean="0"/>
+              <a:rPr lang="ko-KR" altLang="en-US"/>
               <a:t>둘째 수준</a:t>
             </a:r>
           </a:p>
           <a:p>
             <a:pPr lvl="2"/>
             <a:r>
-              <a:rPr lang="ko-KR" altLang="en-US" smtClean="0"/>
+              <a:rPr lang="ko-KR" altLang="en-US"/>
               <a:t>셋째 수준</a:t>
             </a:r>
           </a:p>
           <a:p>
             <a:pPr lvl="3"/>
             <a:r>
-              <a:rPr lang="ko-KR" altLang="en-US" smtClean="0"/>
+              <a:rPr lang="ko-KR" altLang="en-US"/>
               <a:t>넷째 수준</a:t>
             </a:r>
           </a:p>
           <a:p>
             <a:pPr lvl="4"/>
             <a:r>
-              <a:rPr lang="ko-KR" altLang="en-US" smtClean="0"/>
+              <a:rPr lang="ko-KR" altLang="en-US"/>
               <a:t>다섯째 수준</a:t>
             </a:r>
-            <a:endParaRPr lang="ko-KR" altLang="en-US"/>
           </a:p>
         </p:txBody>
       </p:sp>
@@ -2632,7 +2618,7 @@
           <a:p>
             <a:pPr lvl="0"/>
             <a:r>
-              <a:rPr lang="ko-KR" altLang="en-US" smtClean="0"/>
+              <a:rPr lang="ko-KR" altLang="en-US"/>
               <a:t>마스터 텍스트 스타일 편집</a:t>
             </a:r>
           </a:p>
@@ -2660,38 +2646,37 @@
           <a:p>
             <a:pPr lvl="0"/>
             <a:r>
-              <a:rPr lang="ko-KR" altLang="en-US" smtClean="0"/>
+              <a:rPr lang="ko-KR" altLang="en-US"/>
               <a:t>마스터 텍스트 스타일 편집</a:t>
             </a:r>
           </a:p>
           <a:p>
             <a:pPr lvl="1"/>
             <a:r>
-              <a:rPr lang="ko-KR" altLang="en-US" smtClean="0"/>
+              <a:rPr lang="ko-KR" altLang="en-US"/>
               <a:t>둘째 수준</a:t>
             </a:r>
           </a:p>
           <a:p>
             <a:pPr lvl="2"/>
             <a:r>
-              <a:rPr lang="ko-KR" altLang="en-US" smtClean="0"/>
+              <a:rPr lang="ko-KR" altLang="en-US"/>
               <a:t>셋째 수준</a:t>
             </a:r>
           </a:p>
           <a:p>
             <a:pPr lvl="3"/>
             <a:r>
-              <a:rPr lang="ko-KR" altLang="en-US" smtClean="0"/>
+              <a:rPr lang="ko-KR" altLang="en-US"/>
               <a:t>넷째 수준</a:t>
             </a:r>
           </a:p>
           <a:p>
             <a:pPr lvl="4"/>
             <a:r>
-              <a:rPr lang="ko-KR" altLang="en-US" smtClean="0"/>
+              <a:rPr lang="ko-KR" altLang="en-US"/>
               <a:t>다섯째 수준</a:t>
             </a:r>
-            <a:endParaRPr lang="ko-KR" altLang="en-US"/>
           </a:p>
         </p:txBody>
       </p:sp>
@@ -2712,7 +2697,7 @@
           <a:p>
             <a:fld id="{4DE4CDB8-58EE-42E2-9939-912AFB53D728}" type="datetimeFigureOut">
               <a:rPr lang="ko-KR" altLang="en-US" smtClean="0"/>
-              <a:t>2020-05-08</a:t>
+              <a:t>2020-06-02</a:t>
             </a:fld>
             <a:endParaRPr lang="ko-KR" altLang="en-US"/>
           </a:p>
@@ -2806,10 +2791,9 @@
           <a:lstStyle/>
           <a:p>
             <a:r>
-              <a:rPr lang="ko-KR" altLang="en-US" smtClean="0"/>
+              <a:rPr lang="ko-KR" altLang="en-US"/>
               <a:t>마스터 제목 스타일 편집</a:t>
             </a:r>
-            <a:endParaRPr lang="ko-KR" altLang="en-US"/>
           </a:p>
         </p:txBody>
       </p:sp>
@@ -2830,7 +2814,7 @@
           <a:p>
             <a:fld id="{4DE4CDB8-58EE-42E2-9939-912AFB53D728}" type="datetimeFigureOut">
               <a:rPr lang="ko-KR" altLang="en-US" smtClean="0"/>
-              <a:t>2020-05-08</a:t>
+              <a:t>2020-06-02</a:t>
             </a:fld>
             <a:endParaRPr lang="ko-KR" altLang="en-US"/>
           </a:p>
@@ -2925,7 +2909,7 @@
           <a:p>
             <a:fld id="{4DE4CDB8-58EE-42E2-9939-912AFB53D728}" type="datetimeFigureOut">
               <a:rPr lang="ko-KR" altLang="en-US" smtClean="0"/>
-              <a:t>2020-05-08</a:t>
+              <a:t>2020-06-02</a:t>
             </a:fld>
             <a:endParaRPr lang="ko-KR" altLang="en-US"/>
           </a:p>
@@ -3028,10 +3012,9 @@
           </a:lstStyle>
           <a:p>
             <a:r>
-              <a:rPr lang="ko-KR" altLang="en-US" smtClean="0"/>
+              <a:rPr lang="ko-KR" altLang="en-US"/>
               <a:t>마스터 제목 스타일 편집</a:t>
             </a:r>
-            <a:endParaRPr lang="ko-KR" altLang="en-US"/>
           </a:p>
         </p:txBody>
       </p:sp>
@@ -3085,38 +3068,37 @@
           <a:p>
             <a:pPr lvl="0"/>
             <a:r>
-              <a:rPr lang="ko-KR" altLang="en-US" smtClean="0"/>
+              <a:rPr lang="ko-KR" altLang="en-US"/>
               <a:t>마스터 텍스트 스타일 편집</a:t>
             </a:r>
           </a:p>
           <a:p>
             <a:pPr lvl="1"/>
             <a:r>
-              <a:rPr lang="ko-KR" altLang="en-US" smtClean="0"/>
+              <a:rPr lang="ko-KR" altLang="en-US"/>
               <a:t>둘째 수준</a:t>
             </a:r>
           </a:p>
           <a:p>
             <a:pPr lvl="2"/>
             <a:r>
-              <a:rPr lang="ko-KR" altLang="en-US" smtClean="0"/>
+              <a:rPr lang="ko-KR" altLang="en-US"/>
               <a:t>셋째 수준</a:t>
             </a:r>
           </a:p>
           <a:p>
             <a:pPr lvl="3"/>
             <a:r>
-              <a:rPr lang="ko-KR" altLang="en-US" smtClean="0"/>
+              <a:rPr lang="ko-KR" altLang="en-US"/>
               <a:t>넷째 수준</a:t>
             </a:r>
           </a:p>
           <a:p>
             <a:pPr lvl="4"/>
             <a:r>
-              <a:rPr lang="ko-KR" altLang="en-US" smtClean="0"/>
+              <a:rPr lang="ko-KR" altLang="en-US"/>
               <a:t>다섯째 수준</a:t>
             </a:r>
-            <a:endParaRPr lang="ko-KR" altLang="en-US"/>
           </a:p>
         </p:txBody>
       </p:sp>
@@ -3179,7 +3161,7 @@
           <a:p>
             <a:pPr lvl="0"/>
             <a:r>
-              <a:rPr lang="ko-KR" altLang="en-US" smtClean="0"/>
+              <a:rPr lang="ko-KR" altLang="en-US"/>
               <a:t>마스터 텍스트 스타일 편집</a:t>
             </a:r>
           </a:p>
@@ -3202,7 +3184,7 @@
           <a:p>
             <a:fld id="{4DE4CDB8-58EE-42E2-9939-912AFB53D728}" type="datetimeFigureOut">
               <a:rPr lang="ko-KR" altLang="en-US" smtClean="0"/>
-              <a:t>2020-05-08</a:t>
+              <a:t>2020-06-02</a:t>
             </a:fld>
             <a:endParaRPr lang="ko-KR" altLang="en-US"/>
           </a:p>
@@ -3305,10 +3287,9 @@
           </a:lstStyle>
           <a:p>
             <a:r>
-              <a:rPr lang="ko-KR" altLang="en-US" smtClean="0"/>
+              <a:rPr lang="ko-KR" altLang="en-US"/>
               <a:t>마스터 제목 스타일 편집</a:t>
             </a:r>
-            <a:endParaRPr lang="ko-KR" altLang="en-US"/>
           </a:p>
         </p:txBody>
       </p:sp>
@@ -3432,7 +3413,7 @@
           <a:p>
             <a:pPr lvl="0"/>
             <a:r>
-              <a:rPr lang="ko-KR" altLang="en-US" smtClean="0"/>
+              <a:rPr lang="ko-KR" altLang="en-US"/>
               <a:t>마스터 텍스트 스타일 편집</a:t>
             </a:r>
           </a:p>
@@ -3455,7 +3436,7 @@
           <a:p>
             <a:fld id="{4DE4CDB8-58EE-42E2-9939-912AFB53D728}" type="datetimeFigureOut">
               <a:rPr lang="ko-KR" altLang="en-US" smtClean="0"/>
-              <a:t>2020-05-08</a:t>
+              <a:t>2020-06-02</a:t>
             </a:fld>
             <a:endParaRPr lang="ko-KR" altLang="en-US"/>
           </a:p>
@@ -3564,10 +3545,9 @@
           <a:lstStyle/>
           <a:p>
             <a:r>
-              <a:rPr lang="ko-KR" altLang="en-US" smtClean="0"/>
+              <a:rPr lang="ko-KR" altLang="en-US"/>
               <a:t>마스터 제목 스타일 편집</a:t>
             </a:r>
-            <a:endParaRPr lang="ko-KR" altLang="en-US"/>
           </a:p>
         </p:txBody>
       </p:sp>
@@ -3598,38 +3578,37 @@
           <a:p>
             <a:pPr lvl="0"/>
             <a:r>
-              <a:rPr lang="ko-KR" altLang="en-US" smtClean="0"/>
+              <a:rPr lang="ko-KR" altLang="en-US"/>
               <a:t>마스터 텍스트 스타일 편집</a:t>
             </a:r>
           </a:p>
           <a:p>
             <a:pPr lvl="1"/>
             <a:r>
-              <a:rPr lang="ko-KR" altLang="en-US" smtClean="0"/>
+              <a:rPr lang="ko-KR" altLang="en-US"/>
               <a:t>둘째 수준</a:t>
             </a:r>
           </a:p>
           <a:p>
             <a:pPr lvl="2"/>
             <a:r>
-              <a:rPr lang="ko-KR" altLang="en-US" smtClean="0"/>
+              <a:rPr lang="ko-KR" altLang="en-US"/>
               <a:t>셋째 수준</a:t>
             </a:r>
           </a:p>
           <a:p>
             <a:pPr lvl="3"/>
             <a:r>
-              <a:rPr lang="ko-KR" altLang="en-US" smtClean="0"/>
+              <a:rPr lang="ko-KR" altLang="en-US"/>
               <a:t>넷째 수준</a:t>
             </a:r>
           </a:p>
           <a:p>
             <a:pPr lvl="4"/>
             <a:r>
-              <a:rPr lang="ko-KR" altLang="en-US" smtClean="0"/>
+              <a:rPr lang="ko-KR" altLang="en-US"/>
               <a:t>다섯째 수준</a:t>
             </a:r>
-            <a:endParaRPr lang="ko-KR" altLang="en-US"/>
           </a:p>
         </p:txBody>
       </p:sp>
@@ -3668,7 +3647,7 @@
           <a:p>
             <a:fld id="{4DE4CDB8-58EE-42E2-9939-912AFB53D728}" type="datetimeFigureOut">
               <a:rPr lang="ko-KR" altLang="en-US" smtClean="0"/>
-              <a:t>2020-05-08</a:t>
+              <a:t>2020-06-02</a:t>
             </a:fld>
             <a:endParaRPr lang="ko-KR" altLang="en-US"/>
           </a:p>
@@ -4106,30 +4085,22 @@
           <a:lstStyle/>
           <a:p>
             <a:r>
-              <a:rPr lang="en-US" altLang="ko-KR" sz="4400" smtClean="0">
+              <a:rPr lang="en-US" altLang="ko-KR" sz="4400">
                 <a:solidFill>
                   <a:srgbClr val="BAE8E8"/>
                 </a:solidFill>
               </a:rPr>
               <a:t>Multiple Regression Parallelization</a:t>
             </a:r>
-            <a:r>
-              <a:rPr lang="en-US" altLang="ko-KR" sz="4400" smtClean="0">
+            <a:br>
+              <a:rPr lang="en-US" altLang="ko-KR" sz="4400">
                 <a:solidFill>
                   <a:srgbClr val="E3F6F5"/>
                 </a:solidFill>
               </a:rPr>
-              <a:t/>
-            </a:r>
-            <a:br>
-              <a:rPr lang="en-US" altLang="ko-KR" sz="4400" smtClean="0">
-                <a:solidFill>
-                  <a:srgbClr val="E3F6F5"/>
-                </a:solidFill>
-              </a:rPr>
             </a:br>
             <a:r>
-              <a:rPr lang="en-US" altLang="ko-KR" sz="1800" smtClean="0">
+              <a:rPr lang="en-US" altLang="ko-KR" sz="1800">
                 <a:solidFill>
                   <a:srgbClr val="E3F6F5"/>
                 </a:solidFill>
@@ -4187,7 +4158,7 @@
           <a:p>
             <a:pPr algn="r"/>
             <a:r>
-              <a:rPr lang="ko-KR" altLang="en-US" sz="1600" dirty="0" smtClean="0">
+              <a:rPr lang="ko-KR" altLang="en-US" sz="1600" dirty="0">
                 <a:solidFill>
                   <a:srgbClr val="BAE8E8"/>
                 </a:solidFill>
@@ -4196,7 +4167,7 @@
               </a:rPr>
               <a:t>도토리 삼형제</a:t>
             </a:r>
-            <a:endParaRPr lang="en-US" altLang="ko-KR" sz="1600" dirty="0" smtClean="0">
+            <a:endParaRPr lang="en-US" altLang="ko-KR" sz="1600" dirty="0">
               <a:solidFill>
                 <a:srgbClr val="BAE8E8"/>
               </a:solidFill>
@@ -4207,7 +4178,7 @@
           <a:p>
             <a:pPr algn="r"/>
             <a:r>
-              <a:rPr lang="en-US" altLang="ko-KR" sz="1400" dirty="0" smtClean="0">
+              <a:rPr lang="en-US" altLang="ko-KR" sz="1400" dirty="0">
                 <a:solidFill>
                   <a:schemeClr val="bg1"/>
                 </a:solidFill>
@@ -4217,7 +4188,7 @@
               <a:t>2014136007 </a:t>
             </a:r>
             <a:r>
-              <a:rPr lang="ko-KR" altLang="en-US" sz="1400" dirty="0" smtClean="0">
+              <a:rPr lang="ko-KR" altLang="en-US" sz="1400" dirty="0">
                 <a:solidFill>
                   <a:schemeClr val="bg1"/>
                 </a:solidFill>
@@ -4226,7 +4197,7 @@
               </a:rPr>
               <a:t>김기백</a:t>
             </a:r>
-            <a:endParaRPr lang="en-US" altLang="ko-KR" sz="1400" dirty="0" smtClean="0">
+            <a:endParaRPr lang="en-US" altLang="ko-KR" sz="1400" dirty="0">
               <a:solidFill>
                 <a:schemeClr val="bg1"/>
               </a:solidFill>
@@ -4237,7 +4208,7 @@
           <a:p>
             <a:pPr algn="r"/>
             <a:r>
-              <a:rPr lang="en-US" altLang="ko-KR" sz="1400" dirty="0" smtClean="0">
+              <a:rPr lang="en-US" altLang="ko-KR" sz="1400" dirty="0">
                 <a:solidFill>
                   <a:schemeClr val="bg1"/>
                 </a:solidFill>
@@ -4247,7 +4218,7 @@
               <a:t>2014136040 </a:t>
             </a:r>
             <a:r>
-              <a:rPr lang="ko-KR" altLang="en-US" sz="1400" dirty="0" err="1" smtClean="0">
+              <a:rPr lang="ko-KR" altLang="en-US" sz="1400" dirty="0" err="1">
                 <a:solidFill>
                   <a:schemeClr val="bg1"/>
                 </a:solidFill>
@@ -4256,7 +4227,7 @@
               </a:rPr>
               <a:t>노유찬</a:t>
             </a:r>
-            <a:endParaRPr lang="en-US" altLang="ko-KR" sz="1400" dirty="0" smtClean="0">
+            <a:endParaRPr lang="en-US" altLang="ko-KR" sz="1400" dirty="0">
               <a:solidFill>
                 <a:schemeClr val="bg1"/>
               </a:solidFill>
@@ -4267,7 +4238,7 @@
           <a:p>
             <a:pPr algn="r"/>
             <a:r>
-              <a:rPr lang="en-US" altLang="ko-KR" sz="1400" dirty="0" smtClean="0">
+              <a:rPr lang="en-US" altLang="ko-KR" sz="1400" dirty="0">
                 <a:solidFill>
                   <a:schemeClr val="bg1"/>
                 </a:solidFill>
@@ -4277,7 +4248,7 @@
               <a:t>2017136069 </a:t>
             </a:r>
             <a:r>
-              <a:rPr lang="ko-KR" altLang="en-US" sz="1400" dirty="0" smtClean="0">
+              <a:rPr lang="ko-KR" altLang="en-US" sz="1400" dirty="0">
                 <a:solidFill>
                   <a:schemeClr val="bg1"/>
                 </a:solidFill>
@@ -4286,13 +4257,6 @@
               </a:rPr>
               <a:t>유지훈</a:t>
             </a:r>
-            <a:endParaRPr lang="ko-KR" altLang="en-US" sz="1400" dirty="0">
-              <a:solidFill>
-                <a:schemeClr val="bg1"/>
-              </a:solidFill>
-              <a:latin typeface="나눔바른고딕" panose="020B0603020101020101" pitchFamily="50" charset="-127"/>
-              <a:ea typeface="나눔바른고딕" panose="020B0603020101020101" pitchFamily="50" charset="-127"/>
-            </a:endParaRPr>
           </a:p>
         </p:txBody>
       </p:sp>
@@ -4306,13 +4270,6 @@
   <p:clrMapOvr>
     <a:masterClrMapping/>
   </p:clrMapOvr>
-  <p:timing>
-    <p:tnLst>
-      <p:par>
-        <p:cTn id="1" dur="indefinite" restart="never" nodeType="tmRoot"/>
-      </p:par>
-    </p:tnLst>
-  </p:timing>
 </p:sld>
 </file>
 
@@ -4428,7 +4385,7 @@
             <a:lstStyle/>
             <a:p>
               <a:r>
-                <a:rPr lang="en-US" altLang="ko-KR" sz="3200" b="1" smtClean="0">
+                <a:rPr lang="en-US" altLang="ko-KR" sz="3200" b="1">
                   <a:solidFill>
                     <a:srgbClr val="BAE8E8"/>
                   </a:solidFill>
@@ -4467,7 +4424,7 @@
           <a:lstStyle/>
           <a:p>
             <a:r>
-              <a:rPr lang="en-US" altLang="ko-KR" sz="2000" smtClean="0">
+              <a:rPr lang="en-US" altLang="ko-KR" sz="2000">
                 <a:solidFill>
                   <a:srgbClr val="BAE8E8"/>
                 </a:solidFill>
@@ -4534,7 +4491,7 @@
           <a:p>
             <a:pPr algn="ctr"/>
             <a:r>
-              <a:rPr lang="en-US" altLang="ko-KR" smtClean="0">
+              <a:rPr lang="en-US" altLang="ko-KR">
                 <a:solidFill>
                   <a:srgbClr val="BAE8E8"/>
                 </a:solidFill>
@@ -4542,7 +4499,7 @@
               <a:t>38</a:t>
             </a:r>
             <a:r>
-              <a:rPr lang="ko-KR" altLang="en-US" smtClean="0">
+              <a:rPr lang="ko-KR" altLang="en-US">
                 <a:solidFill>
                   <a:srgbClr val="BAE8E8"/>
                 </a:solidFill>
@@ -4550,7 +4507,7 @@
               <a:t>개의 열을</a:t>
             </a:r>
             <a:r>
-              <a:rPr lang="en-US" altLang="ko-KR" smtClean="0">
+              <a:rPr lang="en-US" altLang="ko-KR">
                 <a:solidFill>
                   <a:srgbClr val="BAE8E8"/>
                 </a:solidFill>
@@ -4558,7 +4515,7 @@
               <a:t> </a:t>
             </a:r>
             <a:r>
-              <a:rPr lang="ko-KR" altLang="en-US" smtClean="0">
+              <a:rPr lang="ko-KR" altLang="en-US">
                 <a:solidFill>
                   <a:srgbClr val="BAE8E8"/>
                 </a:solidFill>
@@ -4566,7 +4523,7 @@
               <a:t>독립 변수로</a:t>
             </a:r>
             <a:r>
-              <a:rPr lang="en-US" altLang="ko-KR" smtClean="0">
+              <a:rPr lang="en-US" altLang="ko-KR">
                 <a:solidFill>
                   <a:srgbClr val="BAE8E8"/>
                 </a:solidFill>
@@ -4574,7 +4531,7 @@
               <a:t>, 1</a:t>
             </a:r>
             <a:r>
-              <a:rPr lang="ko-KR" altLang="en-US" smtClean="0">
+              <a:rPr lang="ko-KR" altLang="en-US">
                 <a:solidFill>
                   <a:srgbClr val="BAE8E8"/>
                 </a:solidFill>
@@ -4582,7 +4539,7 @@
               <a:t>개의 열을</a:t>
             </a:r>
             <a:r>
-              <a:rPr lang="en-US" altLang="ko-KR" smtClean="0">
+              <a:rPr lang="en-US" altLang="ko-KR">
                 <a:solidFill>
                   <a:srgbClr val="BAE8E8"/>
                 </a:solidFill>
@@ -4590,18 +4547,13 @@
               <a:t> </a:t>
             </a:r>
             <a:r>
-              <a:rPr lang="ko-KR" altLang="en-US" smtClean="0">
+              <a:rPr lang="ko-KR" altLang="en-US">
                 <a:solidFill>
                   <a:srgbClr val="BAE8E8"/>
                 </a:solidFill>
               </a:rPr>
               <a:t>종속 변수로 선택</a:t>
             </a:r>
-            <a:endParaRPr lang="ko-KR" altLang="en-US">
-              <a:solidFill>
-                <a:srgbClr val="BAE8E8"/>
-              </a:solidFill>
-            </a:endParaRPr>
           </a:p>
         </p:txBody>
       </p:sp>
@@ -4615,13 +4567,6 @@
   <p:clrMapOvr>
     <a:masterClrMapping/>
   </p:clrMapOvr>
-  <p:timing>
-    <p:tnLst>
-      <p:par>
-        <p:cTn id="1" dur="indefinite" restart="never" nodeType="tmRoot"/>
-      </p:par>
-    </p:tnLst>
-  </p:timing>
 </p:sld>
 </file>
 
@@ -4737,7 +4682,7 @@
             <a:lstStyle/>
             <a:p>
               <a:r>
-                <a:rPr lang="en-US" altLang="ko-KR" sz="3200" b="1" smtClean="0">
+                <a:rPr lang="en-US" altLang="ko-KR" sz="3200" b="1">
                   <a:solidFill>
                     <a:srgbClr val="BAE8E8"/>
                   </a:solidFill>
@@ -4776,7 +4721,7 @@
           <a:lstStyle/>
           <a:p>
             <a:r>
-              <a:rPr lang="en-US" altLang="ko-KR" sz="2000" smtClean="0">
+              <a:rPr lang="en-US" altLang="ko-KR" sz="2000">
                 <a:solidFill>
                   <a:srgbClr val="BAE8E8"/>
                 </a:solidFill>
@@ -4815,7 +4760,7 @@
           <a:p>
             <a:pPr algn="ctr"/>
             <a:r>
-              <a:rPr lang="en-US" altLang="ko-KR" smtClean="0">
+              <a:rPr lang="en-US" altLang="ko-KR">
                 <a:solidFill>
                   <a:srgbClr val="BAE8E8"/>
                 </a:solidFill>
@@ -4823,7 +4768,7 @@
               <a:t>38</a:t>
             </a:r>
             <a:r>
-              <a:rPr lang="ko-KR" altLang="en-US" smtClean="0">
+              <a:rPr lang="ko-KR" altLang="en-US">
                 <a:solidFill>
                   <a:srgbClr val="BAE8E8"/>
                 </a:solidFill>
@@ -4831,7 +4776,7 @@
               <a:t>개의 열을</a:t>
             </a:r>
             <a:r>
-              <a:rPr lang="en-US" altLang="ko-KR" smtClean="0">
+              <a:rPr lang="en-US" altLang="ko-KR">
                 <a:solidFill>
                   <a:srgbClr val="BAE8E8"/>
                 </a:solidFill>
@@ -4839,7 +4784,7 @@
               <a:t> </a:t>
             </a:r>
             <a:r>
-              <a:rPr lang="ko-KR" altLang="en-US" smtClean="0">
+              <a:rPr lang="ko-KR" altLang="en-US">
                 <a:solidFill>
                   <a:srgbClr val="BAE8E8"/>
                 </a:solidFill>
@@ -4847,7 +4792,7 @@
               <a:t>독립 변수로</a:t>
             </a:r>
             <a:r>
-              <a:rPr lang="en-US" altLang="ko-KR" smtClean="0">
+              <a:rPr lang="en-US" altLang="ko-KR">
                 <a:solidFill>
                   <a:srgbClr val="BAE8E8"/>
                 </a:solidFill>
@@ -4855,7 +4800,7 @@
               <a:t>, 1</a:t>
             </a:r>
             <a:r>
-              <a:rPr lang="ko-KR" altLang="en-US" smtClean="0">
+              <a:rPr lang="ko-KR" altLang="en-US">
                 <a:solidFill>
                   <a:srgbClr val="BAE8E8"/>
                 </a:solidFill>
@@ -4863,7 +4808,7 @@
               <a:t>개의 열을</a:t>
             </a:r>
             <a:r>
-              <a:rPr lang="en-US" altLang="ko-KR" smtClean="0">
+              <a:rPr lang="en-US" altLang="ko-KR">
                 <a:solidFill>
                   <a:srgbClr val="BAE8E8"/>
                 </a:solidFill>
@@ -4871,14 +4816,14 @@
               <a:t> </a:t>
             </a:r>
             <a:r>
-              <a:rPr lang="ko-KR" altLang="en-US" smtClean="0">
+              <a:rPr lang="ko-KR" altLang="en-US">
                 <a:solidFill>
                   <a:srgbClr val="BAE8E8"/>
                 </a:solidFill>
               </a:rPr>
               <a:t>종속 변수로 선택하여</a:t>
             </a:r>
-            <a:endParaRPr lang="en-US" altLang="ko-KR" smtClean="0">
+            <a:endParaRPr lang="en-US" altLang="ko-KR">
               <a:solidFill>
                 <a:srgbClr val="BAE8E8"/>
               </a:solidFill>
@@ -4887,7 +4832,7 @@
           <a:p>
             <a:pPr algn="ctr"/>
             <a:r>
-              <a:rPr lang="ko-KR" altLang="en-US" smtClean="0">
+              <a:rPr lang="ko-KR" altLang="en-US">
                 <a:solidFill>
                   <a:srgbClr val="E3F6F5"/>
                 </a:solidFill>
@@ -4895,7 +4840,7 @@
               <a:t>변수들에 대한 결과 함수를 생성</a:t>
             </a:r>
             <a:r>
-              <a:rPr lang="ko-KR" altLang="en-US" smtClean="0">
+              <a:rPr lang="ko-KR" altLang="en-US">
                 <a:solidFill>
                   <a:srgbClr val="BAE8E8"/>
                 </a:solidFill>
@@ -4903,7 +4848,7 @@
               <a:t>하였다</a:t>
             </a:r>
             <a:r>
-              <a:rPr lang="en-US" altLang="ko-KR" smtClean="0">
+              <a:rPr lang="en-US" altLang="ko-KR">
                 <a:solidFill>
                   <a:srgbClr val="BAE8E8"/>
                 </a:solidFill>
@@ -4951,13 +4896,6 @@
   <p:clrMapOvr>
     <a:masterClrMapping/>
   </p:clrMapOvr>
-  <p:timing>
-    <p:tnLst>
-      <p:par>
-        <p:cTn id="1" dur="indefinite" restart="never" nodeType="tmRoot"/>
-      </p:par>
-    </p:tnLst>
-  </p:timing>
 </p:sld>
 </file>
 
@@ -5073,7 +5011,7 @@
             <a:lstStyle/>
             <a:p>
               <a:r>
-                <a:rPr lang="en-US" altLang="ko-KR" sz="3200" b="1" smtClean="0">
+                <a:rPr lang="en-US" altLang="ko-KR" sz="3200" b="1">
                   <a:solidFill>
                     <a:srgbClr val="BAE8E8"/>
                   </a:solidFill>
@@ -5112,7 +5050,7 @@
           <a:lstStyle/>
           <a:p>
             <a:r>
-              <a:rPr lang="en-US" altLang="ko-KR" sz="2000" smtClean="0">
+              <a:rPr lang="en-US" altLang="ko-KR" sz="2000">
                 <a:solidFill>
                   <a:srgbClr val="BAE8E8"/>
                 </a:solidFill>
@@ -5150,7 +5088,7 @@
           <a:lstStyle/>
           <a:p>
             <a:r>
-              <a:rPr lang="en-US" altLang="ko-KR" smtClean="0">
+              <a:rPr lang="en-US" altLang="ko-KR">
                 <a:solidFill>
                   <a:srgbClr val="BAE8E8"/>
                 </a:solidFill>
@@ -5158,7 +5096,7 @@
               <a:t>38</a:t>
             </a:r>
             <a:r>
-              <a:rPr lang="ko-KR" altLang="en-US" smtClean="0">
+              <a:rPr lang="ko-KR" altLang="en-US">
                 <a:solidFill>
                   <a:srgbClr val="BAE8E8"/>
                 </a:solidFill>
@@ -5174,7 +5112,7 @@
               <a:t> </a:t>
             </a:r>
             <a:r>
-              <a:rPr lang="ko-KR" altLang="en-US" smtClean="0">
+              <a:rPr lang="ko-KR" altLang="en-US">
                 <a:solidFill>
                   <a:srgbClr val="BAE8E8"/>
                 </a:solidFill>
@@ -5182,7 +5120,7 @@
               <a:t>변수를</a:t>
             </a:r>
             <a:r>
-              <a:rPr lang="en-US" altLang="ko-KR" smtClean="0">
+              <a:rPr lang="en-US" altLang="ko-KR">
                 <a:solidFill>
                   <a:srgbClr val="BAE8E8"/>
                 </a:solidFill>
@@ -5190,7 +5128,7 @@
               <a:t> </a:t>
             </a:r>
             <a:r>
-              <a:rPr lang="ko-KR" altLang="en-US" smtClean="0">
+              <a:rPr lang="ko-KR" altLang="en-US">
                 <a:solidFill>
                   <a:srgbClr val="BAE8E8"/>
                 </a:solidFill>
@@ -5206,7 +5144,7 @@
               <a:t> </a:t>
             </a:r>
             <a:r>
-              <a:rPr lang="ko-KR" altLang="en-US" smtClean="0">
+              <a:rPr lang="ko-KR" altLang="en-US">
                 <a:solidFill>
                   <a:srgbClr val="BAE8E8"/>
                 </a:solidFill>
@@ -5214,7 +5152,7 @@
               <a:t>선택</a:t>
             </a:r>
             <a:r>
-              <a:rPr lang="en-US" altLang="ko-KR" smtClean="0">
+              <a:rPr lang="en-US" altLang="ko-KR">
                 <a:solidFill>
                   <a:srgbClr val="BAE8E8"/>
                 </a:solidFill>
@@ -5224,7 +5162,7 @@
           </a:p>
           <a:p>
             <a:r>
-              <a:rPr lang="en-US" altLang="ko-KR" smtClean="0">
+              <a:rPr lang="en-US" altLang="ko-KR">
                 <a:solidFill>
                   <a:srgbClr val="BAE8E8"/>
                 </a:solidFill>
@@ -5232,18 +5170,13 @@
               <a:t>1</a:t>
             </a:r>
             <a:r>
-              <a:rPr lang="ko-KR" altLang="en-US" smtClean="0">
+              <a:rPr lang="ko-KR" altLang="en-US">
                 <a:solidFill>
                   <a:srgbClr val="BAE8E8"/>
                 </a:solidFill>
               </a:rPr>
               <a:t>개의 변수를 종속 변수로 선택</a:t>
             </a:r>
-            <a:endParaRPr lang="ko-KR" altLang="en-US">
-              <a:solidFill>
-                <a:srgbClr val="BAE8E8"/>
-              </a:solidFill>
-            </a:endParaRPr>
           </a:p>
         </p:txBody>
       </p:sp>
@@ -5305,7 +5238,7 @@
           <a:lstStyle/>
           <a:p>
             <a:r>
-              <a:rPr lang="en-US" altLang="ko-KR" smtClean="0">
+              <a:rPr lang="en-US" altLang="ko-KR">
                 <a:solidFill>
                   <a:srgbClr val="E3F6F5"/>
                 </a:solidFill>
@@ -5313,7 +5246,7 @@
               <a:t>-&gt; </a:t>
             </a:r>
             <a:r>
-              <a:rPr lang="ko-KR" altLang="en-US" smtClean="0">
+              <a:rPr lang="ko-KR" altLang="en-US">
                 <a:solidFill>
                   <a:srgbClr val="E3F6F5"/>
                 </a:solidFill>
@@ -5351,7 +5284,7 @@
           <a:lstStyle/>
           <a:p>
             <a:r>
-              <a:rPr lang="en-US" altLang="ko-KR" smtClean="0">
+              <a:rPr lang="en-US" altLang="ko-KR">
                 <a:solidFill>
                   <a:srgbClr val="BAE8E8"/>
                 </a:solidFill>
@@ -5359,7 +5292,7 @@
               <a:t>-&gt; </a:t>
             </a:r>
             <a:r>
-              <a:rPr lang="ko-KR" altLang="en-US" smtClean="0">
+              <a:rPr lang="ko-KR" altLang="en-US">
                 <a:solidFill>
                   <a:srgbClr val="BAE8E8"/>
                 </a:solidFill>
@@ -5367,7 +5300,7 @@
               <a:t>병렬화를 통해 성능향상을 이루었으나 데이터 크기가 작아 그 변화폭이 잘 느껴지지 않는다</a:t>
             </a:r>
             <a:r>
-              <a:rPr lang="en-US" altLang="ko-KR" smtClean="0">
+              <a:rPr lang="en-US" altLang="ko-KR">
                 <a:solidFill>
                   <a:srgbClr val="BAE8E8"/>
                 </a:solidFill>
@@ -5392,13 +5325,6 @@
   <p:clrMapOvr>
     <a:masterClrMapping/>
   </p:clrMapOvr>
-  <p:timing>
-    <p:tnLst>
-      <p:par>
-        <p:cTn id="1" dur="indefinite" restart="never" nodeType="tmRoot"/>
-      </p:par>
-    </p:tnLst>
-  </p:timing>
 </p:sld>
 </file>
 
@@ -5514,7 +5440,7 @@
             <a:lstStyle/>
             <a:p>
               <a:r>
-                <a:rPr lang="en-US" altLang="ko-KR" sz="3200" b="1" smtClean="0">
+                <a:rPr lang="en-US" altLang="ko-KR" sz="3200" b="1">
                   <a:solidFill>
                     <a:srgbClr val="BAE8E8"/>
                   </a:solidFill>
@@ -5553,7 +5479,7 @@
           <a:lstStyle/>
           <a:p>
             <a:r>
-              <a:rPr lang="en-US" altLang="ko-KR" sz="2000" smtClean="0">
+              <a:rPr lang="en-US" altLang="ko-KR" sz="2000">
                 <a:solidFill>
                   <a:srgbClr val="BAE8E8"/>
                 </a:solidFill>
@@ -5645,7 +5571,7 @@
           <a:lstStyle/>
           <a:p>
             <a:r>
-              <a:rPr lang="en-US" altLang="ko-KR" smtClean="0">
+              <a:rPr lang="en-US" altLang="ko-KR">
                 <a:solidFill>
                   <a:srgbClr val="BAE8E8"/>
                 </a:solidFill>
@@ -5653,7 +5579,7 @@
               <a:t>-&gt; </a:t>
             </a:r>
             <a:r>
-              <a:rPr lang="ko-KR" altLang="en-US" smtClean="0">
+              <a:rPr lang="ko-KR" altLang="en-US">
                 <a:solidFill>
                   <a:srgbClr val="E3F6F5"/>
                 </a:solidFill>
@@ -5661,7 +5587,7 @@
               <a:t>데이터셋을 확장시켜</a:t>
             </a:r>
             <a:r>
-              <a:rPr lang="en-US" altLang="ko-KR" smtClean="0">
+              <a:rPr lang="en-US" altLang="ko-KR">
                 <a:solidFill>
                   <a:srgbClr val="BAE8E8"/>
                 </a:solidFill>
@@ -5669,7 +5595,7 @@
               <a:t> (39</a:t>
             </a:r>
             <a:r>
-              <a:rPr lang="ko-KR" altLang="en-US" smtClean="0">
+              <a:rPr lang="ko-KR" altLang="en-US">
                 <a:solidFill>
                   <a:srgbClr val="BAE8E8"/>
                 </a:solidFill>
@@ -5677,7 +5603,7 @@
               <a:t>개 열</a:t>
             </a:r>
             <a:r>
-              <a:rPr lang="en-US" altLang="ko-KR" smtClean="0">
+              <a:rPr lang="en-US" altLang="ko-KR">
                 <a:solidFill>
                   <a:srgbClr val="BAE8E8"/>
                 </a:solidFill>
@@ -5685,7 +5611,7 @@
               <a:t> -&gt; 400</a:t>
             </a:r>
             <a:r>
-              <a:rPr lang="ko-KR" altLang="en-US" smtClean="0">
+              <a:rPr lang="ko-KR" altLang="en-US">
                 <a:solidFill>
                   <a:srgbClr val="BAE8E8"/>
                 </a:solidFill>
@@ -5693,7 +5619,7 @@
               <a:t>개 열</a:t>
             </a:r>
             <a:r>
-              <a:rPr lang="en-US" altLang="ko-KR" smtClean="0">
+              <a:rPr lang="en-US" altLang="ko-KR">
                 <a:solidFill>
                   <a:srgbClr val="BAE8E8"/>
                 </a:solidFill>
@@ -5703,7 +5629,7 @@
           </a:p>
           <a:p>
             <a:r>
-              <a:rPr lang="ko-KR" altLang="en-US" smtClean="0">
+              <a:rPr lang="ko-KR" altLang="en-US">
                 <a:solidFill>
                   <a:srgbClr val="BAE8E8"/>
                 </a:solidFill>
@@ -5711,7 +5637,7 @@
               <a:t>재확인 하여</a:t>
             </a:r>
             <a:r>
-              <a:rPr lang="en-US" altLang="ko-KR" smtClean="0">
+              <a:rPr lang="en-US" altLang="ko-KR">
                 <a:solidFill>
                   <a:srgbClr val="BAE8E8"/>
                 </a:solidFill>
@@ -5719,7 +5645,7 @@
               <a:t> </a:t>
             </a:r>
             <a:r>
-              <a:rPr lang="ko-KR" altLang="en-US" smtClean="0">
+              <a:rPr lang="ko-KR" altLang="en-US">
                 <a:solidFill>
                   <a:srgbClr val="E3F6F5"/>
                 </a:solidFill>
@@ -5727,7 +5653,7 @@
               <a:t>병렬화한 코드가 더 큰 규모의 데이터셋에서도 효율적으로 동작하며 규모 상승에 따라 성능이 상승 곡선을 그리는 것</a:t>
             </a:r>
             <a:r>
-              <a:rPr lang="ko-KR" altLang="en-US" smtClean="0">
+              <a:rPr lang="ko-KR" altLang="en-US">
                 <a:solidFill>
                   <a:srgbClr val="BAE8E8"/>
                 </a:solidFill>
@@ -5735,7 +5661,7 @@
               <a:t>을 확인하였다</a:t>
             </a:r>
             <a:r>
-              <a:rPr lang="en-US" altLang="ko-KR" smtClean="0">
+              <a:rPr lang="en-US" altLang="ko-KR">
                 <a:solidFill>
                   <a:srgbClr val="BAE8E8"/>
                 </a:solidFill>
@@ -5773,7 +5699,7 @@
           <a:lstStyle/>
           <a:p>
             <a:r>
-              <a:rPr lang="en-US" altLang="ko-KR" smtClean="0">
+              <a:rPr lang="en-US" altLang="ko-KR">
                 <a:solidFill>
                   <a:srgbClr val="BAE8E8"/>
                 </a:solidFill>
@@ -5781,7 +5707,7 @@
               <a:t>-&gt; </a:t>
             </a:r>
             <a:r>
-              <a:rPr lang="ko-KR" altLang="en-US" smtClean="0">
+              <a:rPr lang="ko-KR" altLang="en-US">
                 <a:solidFill>
                   <a:srgbClr val="BAE8E8"/>
                 </a:solidFill>
@@ -5789,7 +5715,7 @@
               <a:t>병렬화를 통해 성능향상을 이루었으나 데이터 크기가 작아 그 변화폭이 잘 느껴지지 않는다</a:t>
             </a:r>
             <a:r>
-              <a:rPr lang="en-US" altLang="ko-KR" smtClean="0">
+              <a:rPr lang="en-US" altLang="ko-KR">
                 <a:solidFill>
                   <a:srgbClr val="BAE8E8"/>
                 </a:solidFill>
@@ -5814,13 +5740,6 @@
   <p:clrMapOvr>
     <a:masterClrMapping/>
   </p:clrMapOvr>
-  <p:timing>
-    <p:tnLst>
-      <p:par>
-        <p:cTn id="1" dur="indefinite" restart="never" nodeType="tmRoot"/>
-      </p:par>
-    </p:tnLst>
-  </p:timing>
 </p:sld>
 </file>
 
@@ -5936,7 +5855,7 @@
             <a:lstStyle/>
             <a:p>
               <a:r>
-                <a:rPr lang="en-US" altLang="ko-KR" sz="3200" b="1" smtClean="0">
+                <a:rPr lang="en-US" altLang="ko-KR" sz="3200" b="1">
                   <a:solidFill>
                     <a:srgbClr val="BAE8E8"/>
                   </a:solidFill>
@@ -5975,7 +5894,7 @@
           <a:lstStyle/>
           <a:p>
             <a:r>
-              <a:rPr lang="en-US" altLang="ko-KR" sz="2000" smtClean="0">
+              <a:rPr lang="en-US" altLang="ko-KR" sz="2000">
                 <a:solidFill>
                   <a:srgbClr val="BAE8E8"/>
                 </a:solidFill>
@@ -6013,7 +5932,7 @@
           <a:lstStyle/>
           <a:p>
             <a:r>
-              <a:rPr lang="en-US" altLang="ko-KR" sz="2400" b="1" smtClean="0">
+              <a:rPr lang="en-US" altLang="ko-KR" sz="2400" b="1">
                 <a:solidFill>
                   <a:srgbClr val="E3F6F5"/>
                 </a:solidFill>
@@ -6021,7 +5940,7 @@
               <a:t>- </a:t>
             </a:r>
             <a:r>
-              <a:rPr lang="ko-KR" altLang="en-US" sz="2400" b="1" smtClean="0">
+              <a:rPr lang="ko-KR" altLang="en-US" sz="2400" b="1">
                 <a:solidFill>
                   <a:srgbClr val="E3F6F5"/>
                 </a:solidFill>
@@ -6029,7 +5948,7 @@
               <a:t>최대 </a:t>
             </a:r>
             <a:r>
-              <a:rPr lang="en-US" altLang="ko-KR" sz="2400" b="1" smtClean="0">
+              <a:rPr lang="en-US" altLang="ko-KR" sz="2400" b="1">
                 <a:solidFill>
                   <a:srgbClr val="E3F6F5"/>
                 </a:solidFill>
@@ -6037,121 +5956,12 @@
               <a:t>10</a:t>
             </a:r>
             <a:r>
-              <a:rPr lang="ko-KR" altLang="en-US" sz="2400" b="1" smtClean="0">
+              <a:rPr lang="ko-KR" altLang="en-US" sz="2400" b="1">
                 <a:solidFill>
                   <a:srgbClr val="E3F6F5"/>
                 </a:solidFill>
               </a:rPr>
               <a:t>배의 효율</a:t>
-            </a:r>
-            <a:endParaRPr lang="en-US" altLang="ko-KR" b="1" smtClean="0">
-              <a:solidFill>
-                <a:srgbClr val="E3F6F5"/>
-              </a:solidFill>
-            </a:endParaRPr>
-          </a:p>
-          <a:p>
-            <a:r>
-              <a:rPr lang="en-US" altLang="ko-KR" sz="1400" smtClean="0">
-                <a:solidFill>
-                  <a:srgbClr val="BAE8E8"/>
-                </a:solidFill>
-              </a:rPr>
-              <a:t> Serial, Parallel</a:t>
-            </a:r>
-            <a:r>
-              <a:rPr lang="ko-KR" altLang="en-US" sz="1400" smtClean="0">
-                <a:solidFill>
-                  <a:srgbClr val="BAE8E8"/>
-                </a:solidFill>
-              </a:rPr>
-              <a:t>간 성능 차이 그래프</a:t>
-            </a:r>
-            <a:r>
-              <a:rPr lang="en-US" altLang="ko-KR" sz="1400" smtClean="0">
-                <a:solidFill>
-                  <a:srgbClr val="BAE8E8"/>
-                </a:solidFill>
-              </a:rPr>
-              <a:t>(logscaled)</a:t>
-            </a:r>
-            <a:r>
-              <a:rPr lang="ko-KR" altLang="en-US" sz="1400" smtClean="0">
-                <a:solidFill>
-                  <a:srgbClr val="BAE8E8"/>
-                </a:solidFill>
-              </a:rPr>
-              <a:t>가 보여주듯 병렬화한 코드는 </a:t>
-            </a:r>
-            <a:r>
-              <a:rPr lang="ko-KR" altLang="en-US" sz="1400" smtClean="0">
-                <a:solidFill>
-                  <a:srgbClr val="E3F6F5"/>
-                </a:solidFill>
-              </a:rPr>
-              <a:t>최대 </a:t>
-            </a:r>
-            <a:r>
-              <a:rPr lang="en-US" altLang="ko-KR" sz="1400" smtClean="0">
-                <a:solidFill>
-                  <a:srgbClr val="E3F6F5"/>
-                </a:solidFill>
-              </a:rPr>
-              <a:t>10</a:t>
-            </a:r>
-            <a:r>
-              <a:rPr lang="ko-KR" altLang="en-US" sz="1400" smtClean="0">
-                <a:solidFill>
-                  <a:srgbClr val="E3F6F5"/>
-                </a:solidFill>
-              </a:rPr>
-              <a:t>배의 효율</a:t>
-            </a:r>
-            <a:r>
-              <a:rPr lang="ko-KR" altLang="en-US" sz="1400" smtClean="0">
-                <a:solidFill>
-                  <a:srgbClr val="BAE8E8"/>
-                </a:solidFill>
-              </a:rPr>
-              <a:t>을 보여준다</a:t>
-            </a:r>
-            <a:r>
-              <a:rPr lang="en-US" altLang="ko-KR" sz="1400" smtClean="0">
-                <a:solidFill>
-                  <a:srgbClr val="BAE8E8"/>
-                </a:solidFill>
-              </a:rPr>
-              <a:t>.</a:t>
-            </a:r>
-            <a:endParaRPr lang="en-US" altLang="ko-KR" smtClean="0">
-              <a:solidFill>
-                <a:srgbClr val="BAE8E8"/>
-              </a:solidFill>
-            </a:endParaRPr>
-          </a:p>
-          <a:p>
-            <a:endParaRPr lang="en-US" altLang="ko-KR" smtClean="0">
-              <a:solidFill>
-                <a:srgbClr val="BAE8E8"/>
-              </a:solidFill>
-            </a:endParaRPr>
-          </a:p>
-          <a:p>
-            <a:r>
-              <a:rPr lang="en-US" altLang="ko-KR" sz="2400" b="1" smtClean="0">
-                <a:solidFill>
-                  <a:srgbClr val="E3F6F5"/>
-                </a:solidFill>
-              </a:rPr>
-              <a:t>- </a:t>
-            </a:r>
-            <a:r>
-              <a:rPr lang="ko-KR" altLang="en-US" sz="2400" b="1" smtClean="0">
-                <a:solidFill>
-                  <a:srgbClr val="E3F6F5"/>
-                </a:solidFill>
-              </a:rPr>
-              <a:t>최소한의 추가공간</a:t>
             </a:r>
             <a:endParaRPr lang="en-US" altLang="ko-KR" b="1">
               <a:solidFill>
@@ -6161,7 +5971,116 @@
           </a:p>
           <a:p>
             <a:r>
-              <a:rPr lang="en-US" altLang="ko-KR" sz="1400" smtClean="0">
+              <a:rPr lang="en-US" altLang="ko-KR" sz="1400">
+                <a:solidFill>
+                  <a:srgbClr val="BAE8E8"/>
+                </a:solidFill>
+              </a:rPr>
+              <a:t> Serial, Parallel</a:t>
+            </a:r>
+            <a:r>
+              <a:rPr lang="ko-KR" altLang="en-US" sz="1400">
+                <a:solidFill>
+                  <a:srgbClr val="BAE8E8"/>
+                </a:solidFill>
+              </a:rPr>
+              <a:t>간 성능 차이 그래프</a:t>
+            </a:r>
+            <a:r>
+              <a:rPr lang="en-US" altLang="ko-KR" sz="1400">
+                <a:solidFill>
+                  <a:srgbClr val="BAE8E8"/>
+                </a:solidFill>
+              </a:rPr>
+              <a:t>(logscaled)</a:t>
+            </a:r>
+            <a:r>
+              <a:rPr lang="ko-KR" altLang="en-US" sz="1400">
+                <a:solidFill>
+                  <a:srgbClr val="BAE8E8"/>
+                </a:solidFill>
+              </a:rPr>
+              <a:t>가 보여주듯 병렬화한 코드는 </a:t>
+            </a:r>
+            <a:r>
+              <a:rPr lang="ko-KR" altLang="en-US" sz="1400">
+                <a:solidFill>
+                  <a:srgbClr val="E3F6F5"/>
+                </a:solidFill>
+              </a:rPr>
+              <a:t>최대 </a:t>
+            </a:r>
+            <a:r>
+              <a:rPr lang="en-US" altLang="ko-KR" sz="1400">
+                <a:solidFill>
+                  <a:srgbClr val="E3F6F5"/>
+                </a:solidFill>
+              </a:rPr>
+              <a:t>10</a:t>
+            </a:r>
+            <a:r>
+              <a:rPr lang="ko-KR" altLang="en-US" sz="1400">
+                <a:solidFill>
+                  <a:srgbClr val="E3F6F5"/>
+                </a:solidFill>
+              </a:rPr>
+              <a:t>배의 효율</a:t>
+            </a:r>
+            <a:r>
+              <a:rPr lang="ko-KR" altLang="en-US" sz="1400">
+                <a:solidFill>
+                  <a:srgbClr val="BAE8E8"/>
+                </a:solidFill>
+              </a:rPr>
+              <a:t>을 보여준다</a:t>
+            </a:r>
+            <a:r>
+              <a:rPr lang="en-US" altLang="ko-KR" sz="1400">
+                <a:solidFill>
+                  <a:srgbClr val="BAE8E8"/>
+                </a:solidFill>
+              </a:rPr>
+              <a:t>.</a:t>
+            </a:r>
+            <a:endParaRPr lang="en-US" altLang="ko-KR">
+              <a:solidFill>
+                <a:srgbClr val="BAE8E8"/>
+              </a:solidFill>
+            </a:endParaRPr>
+          </a:p>
+          <a:p>
+            <a:endParaRPr lang="en-US" altLang="ko-KR">
+              <a:solidFill>
+                <a:srgbClr val="BAE8E8"/>
+              </a:solidFill>
+            </a:endParaRPr>
+          </a:p>
+          <a:p>
+            <a:r>
+              <a:rPr lang="en-US" altLang="ko-KR" sz="2400" b="1">
+                <a:solidFill>
+                  <a:srgbClr val="E3F6F5"/>
+                </a:solidFill>
+              </a:rPr>
+              <a:t>- </a:t>
+            </a:r>
+            <a:r>
+              <a:rPr lang="ko-KR" altLang="en-US" sz="2400" b="1">
+                <a:solidFill>
+                  <a:srgbClr val="E3F6F5"/>
+                </a:solidFill>
+              </a:rPr>
+              <a:t>최소한의 추가공간</a:t>
+            </a:r>
+            <a:endParaRPr lang="en-US" altLang="ko-KR" b="1">
+              <a:solidFill>
+                <a:srgbClr val="E3F6F5"/>
+              </a:solidFill>
+            </a:endParaRPr>
+          </a:p>
+          <a:p>
+            <a:r>
+              <a:rPr lang="en-US" altLang="ko-KR" sz="1400">
                 <a:solidFill>
                   <a:srgbClr val="BAE8E8"/>
                 </a:solidFill>
@@ -6169,7 +6088,7 @@
               <a:t> </a:t>
             </a:r>
             <a:r>
-              <a:rPr lang="ko-KR" altLang="en-US" sz="1400" smtClean="0">
+              <a:rPr lang="ko-KR" altLang="en-US" sz="1400">
                 <a:solidFill>
                   <a:srgbClr val="BAE8E8"/>
                 </a:solidFill>
@@ -6177,7 +6096,7 @@
               <a:t>또한 현 프로젝트의 병렬화 기법은 데이터 자체의 크기가 아닌 데이터의 열 개수에 기반한 추가 메모리</a:t>
             </a:r>
             <a:r>
-              <a:rPr lang="en-US" altLang="ko-KR" sz="1400" smtClean="0">
+              <a:rPr lang="en-US" altLang="ko-KR" sz="1400">
                 <a:solidFill>
                   <a:srgbClr val="BAE8E8"/>
                 </a:solidFill>
@@ -6185,7 +6104,7 @@
               <a:t>(</a:t>
             </a:r>
             <a:r>
-              <a:rPr lang="ko-KR" altLang="en-US" sz="1400" smtClean="0">
+              <a:rPr lang="ko-KR" altLang="en-US" sz="1400">
                 <a:solidFill>
                   <a:srgbClr val="BAE8E8"/>
                 </a:solidFill>
@@ -6193,7 +6112,7 @@
               <a:t>최대 </a:t>
             </a:r>
             <a:r>
-              <a:rPr lang="en-US" altLang="ko-KR" sz="1400" smtClean="0">
+              <a:rPr lang="en-US" altLang="ko-KR" sz="1400">
                 <a:solidFill>
                   <a:srgbClr val="BAE8E8"/>
                 </a:solidFill>
@@ -6201,7 +6120,7 @@
               <a:t>8</a:t>
             </a:r>
             <a:r>
-              <a:rPr lang="ko-KR" altLang="en-US" sz="1400" smtClean="0">
+              <a:rPr lang="ko-KR" altLang="en-US" sz="1400">
                 <a:solidFill>
                   <a:srgbClr val="BAE8E8"/>
                 </a:solidFill>
@@ -6209,7 +6128,7 @@
               <a:t>배</a:t>
             </a:r>
             <a:r>
-              <a:rPr lang="en-US" altLang="ko-KR" sz="1400" smtClean="0">
+              <a:rPr lang="en-US" altLang="ko-KR" sz="1400">
                 <a:solidFill>
                   <a:srgbClr val="BAE8E8"/>
                 </a:solidFill>
@@ -6217,7 +6136,7 @@
               <a:t>)</a:t>
             </a:r>
             <a:r>
-              <a:rPr lang="ko-KR" altLang="en-US" sz="1400" smtClean="0">
+              <a:rPr lang="ko-KR" altLang="en-US" sz="1400">
                 <a:solidFill>
                   <a:srgbClr val="BAE8E8"/>
                 </a:solidFill>
@@ -6225,7 +6144,7 @@
               <a:t>가 필요하므로 궁극적으로는 최소한의 추가 공간을 이용하여 해당 효과를 냄을 알 수 있다</a:t>
             </a:r>
             <a:r>
-              <a:rPr lang="en-US" altLang="ko-KR" sz="1400" smtClean="0">
+              <a:rPr lang="en-US" altLang="ko-KR" sz="1400">
                 <a:solidFill>
                   <a:srgbClr val="BAE8E8"/>
                 </a:solidFill>
@@ -6272,13 +6191,6 @@
   <p:clrMapOvr>
     <a:masterClrMapping/>
   </p:clrMapOvr>
-  <p:timing>
-    <p:tnLst>
-      <p:par>
-        <p:cTn id="1" dur="indefinite" restart="never" nodeType="tmRoot"/>
-      </p:par>
-    </p:tnLst>
-  </p:timing>
 </p:sld>
 </file>
 
@@ -6351,7 +6263,7 @@
           </a:lstStyle>
           <a:p>
             <a:r>
-              <a:rPr lang="ko-KR" altLang="en-US" smtClean="0">
+              <a:rPr lang="ko-KR" altLang="en-US">
                 <a:solidFill>
                   <a:srgbClr val="BAE8E8"/>
                 </a:solidFill>
@@ -6359,7 +6271,7 @@
               <a:t>감사합니다</a:t>
             </a:r>
             <a:r>
-              <a:rPr lang="en-US" altLang="ko-KR" smtClean="0">
+              <a:rPr lang="en-US" altLang="ko-KR">
                 <a:solidFill>
                   <a:srgbClr val="E3F6F5"/>
                 </a:solidFill>
@@ -6384,13 +6296,1338 @@
   <p:clrMapOvr>
     <a:masterClrMapping/>
   </p:clrMapOvr>
-  <p:timing>
-    <p:tnLst>
-      <p:par>
-        <p:cTn id="1" dur="indefinite" restart="never" nodeType="tmRoot"/>
-      </p:par>
-    </p:tnLst>
-  </p:timing>
+</p:sld>
+</file>
+
+<file path=ppt/slides/slide16.xml><?xml version="1.0" encoding="utf-8"?>
+<p:sld xmlns:a="http://schemas.openxmlformats.org/drawingml/2006/main" xmlns:r="http://schemas.openxmlformats.org/officeDocument/2006/relationships" xmlns:p="http://schemas.openxmlformats.org/presentationml/2006/main">
+  <p:cSld>
+    <p:bg>
+      <p:bgPr>
+        <a:solidFill>
+          <a:srgbClr val="273043">
+            <a:alpha val="90000"/>
+          </a:srgbClr>
+        </a:solidFill>
+        <a:effectLst/>
+      </p:bgPr>
+    </p:bg>
+    <p:spTree>
+      <p:nvGrpSpPr>
+        <p:cNvPr id="1" name=""/>
+        <p:cNvGrpSpPr/>
+        <p:nvPr/>
+      </p:nvGrpSpPr>
+      <p:grpSpPr>
+        <a:xfrm>
+          <a:off x="0" y="0"/>
+          <a:ext cx="0" cy="0"/>
+          <a:chOff x="0" y="0"/>
+          <a:chExt cx="0" cy="0"/>
+        </a:xfrm>
+      </p:grpSpPr>
+      <p:grpSp>
+        <p:nvGrpSpPr>
+          <p:cNvPr id="2" name="그룹 1"/>
+          <p:cNvGrpSpPr/>
+          <p:nvPr/>
+        </p:nvGrpSpPr>
+        <p:grpSpPr>
+          <a:xfrm>
+            <a:off x="751618" y="653199"/>
+            <a:ext cx="5017079" cy="604326"/>
+            <a:chOff x="751619" y="653199"/>
+            <a:chExt cx="2951304" cy="604326"/>
+          </a:xfrm>
+        </p:grpSpPr>
+        <p:sp>
+          <p:nvSpPr>
+            <p:cNvPr id="4" name="직사각형 3"/>
+            <p:cNvSpPr/>
+            <p:nvPr/>
+          </p:nvSpPr>
+          <p:spPr>
+            <a:xfrm>
+              <a:off x="751619" y="1211806"/>
+              <a:ext cx="2272851" cy="45719"/>
+            </a:xfrm>
+            <a:prstGeom prst="rect">
+              <a:avLst/>
+            </a:prstGeom>
+            <a:solidFill>
+              <a:srgbClr val="E3F6F5">
+                <a:alpha val="80000"/>
+              </a:srgbClr>
+            </a:solidFill>
+            <a:ln>
+              <a:noFill/>
+            </a:ln>
+          </p:spPr>
+          <p:style>
+            <a:lnRef idx="2">
+              <a:schemeClr val="accent1">
+                <a:shade val="50000"/>
+              </a:schemeClr>
+            </a:lnRef>
+            <a:fillRef idx="1">
+              <a:schemeClr val="accent1"/>
+            </a:fillRef>
+            <a:effectRef idx="0">
+              <a:schemeClr val="accent1"/>
+            </a:effectRef>
+            <a:fontRef idx="minor">
+              <a:schemeClr val="lt1"/>
+            </a:fontRef>
+          </p:style>
+          <p:txBody>
+            <a:bodyPr rtlCol="0" anchor="ctr"/>
+            <a:lstStyle/>
+            <a:p>
+              <a:pPr marL="0" marR="0" lvl="0" indent="0" algn="ctr" defTabSz="914400" rtl="0" eaLnBrk="1" fontAlgn="auto" latinLnBrk="1" hangingPunct="1">
+                <a:lnSpc>
+                  <a:spcPct val="100000"/>
+                </a:lnSpc>
+                <a:spcBef>
+                  <a:spcPts val="0"/>
+                </a:spcBef>
+                <a:spcAft>
+                  <a:spcPts val="0"/>
+                </a:spcAft>
+                <a:buClrTx/>
+                <a:buSzTx/>
+                <a:buFontTx/>
+                <a:buNone/>
+                <a:tabLst/>
+                <a:defRPr/>
+              </a:pPr>
+              <a:endParaRPr kumimoji="0" lang="ko-KR" altLang="en-US" sz="1800" b="1" i="0" u="none" strike="noStrike" kern="1200" cap="none" spc="0" normalizeH="0" baseline="0" noProof="0">
+                <a:ln>
+                  <a:noFill/>
+                </a:ln>
+                <a:solidFill>
+                  <a:prstClr val="white"/>
+                </a:solidFill>
+                <a:effectLst/>
+                <a:uLnTx/>
+                <a:uFillTx/>
+                <a:latin typeface="맑은 고딕" panose="020F0502020204030204"/>
+                <a:ea typeface="맑은 고딕" panose="020B0503020000020004" pitchFamily="50" charset="-127"/>
+                <a:cs typeface="+mn-cs"/>
+              </a:endParaRPr>
+            </a:p>
+          </p:txBody>
+        </p:sp>
+        <p:sp>
+          <p:nvSpPr>
+            <p:cNvPr id="6" name="TextBox 5"/>
+            <p:cNvSpPr txBox="1"/>
+            <p:nvPr/>
+          </p:nvSpPr>
+          <p:spPr>
+            <a:xfrm>
+              <a:off x="751619" y="653199"/>
+              <a:ext cx="2951304" cy="584775"/>
+            </a:xfrm>
+            <a:prstGeom prst="rect">
+              <a:avLst/>
+            </a:prstGeom>
+            <a:noFill/>
+          </p:spPr>
+          <p:txBody>
+            <a:bodyPr wrap="square" rtlCol="0">
+              <a:spAutoFit/>
+            </a:bodyPr>
+            <a:lstStyle/>
+            <a:p>
+              <a:pPr marL="0" marR="0" lvl="0" indent="0" algn="l" defTabSz="914400" rtl="0" eaLnBrk="1" fontAlgn="auto" latinLnBrk="1" hangingPunct="1">
+                <a:lnSpc>
+                  <a:spcPct val="100000"/>
+                </a:lnSpc>
+                <a:spcBef>
+                  <a:spcPts val="0"/>
+                </a:spcBef>
+                <a:spcAft>
+                  <a:spcPts val="0"/>
+                </a:spcAft>
+                <a:buClrTx/>
+                <a:buSzTx/>
+                <a:buFontTx/>
+                <a:buNone/>
+                <a:tabLst/>
+                <a:defRPr/>
+              </a:pPr>
+              <a:r>
+                <a:rPr kumimoji="0" lang="en-US" altLang="ko-KR" sz="3200" b="1" i="0" u="none" strike="noStrike" kern="1200" cap="none" spc="0" normalizeH="0" baseline="0" noProof="0" dirty="0">
+                  <a:ln>
+                    <a:noFill/>
+                  </a:ln>
+                  <a:solidFill>
+                    <a:srgbClr val="BAE8E8"/>
+                  </a:solidFill>
+                  <a:effectLst/>
+                  <a:uLnTx/>
+                  <a:uFillTx/>
+                  <a:latin typeface="맑은 고딕" panose="020F0502020204030204"/>
+                  <a:ea typeface="맑은 고딕" panose="020B0503020000020004" pitchFamily="50" charset="-127"/>
+                  <a:cs typeface="+mn-cs"/>
+                </a:rPr>
+                <a:t>CUDA </a:t>
+              </a:r>
+              <a:r>
+                <a:rPr kumimoji="0" lang="ko-KR" altLang="en-US" sz="3200" b="1" i="0" u="none" strike="noStrike" kern="1200" cap="none" spc="0" normalizeH="0" baseline="0" noProof="0" dirty="0">
+                  <a:ln>
+                    <a:noFill/>
+                  </a:ln>
+                  <a:solidFill>
+                    <a:srgbClr val="BAE8E8"/>
+                  </a:solidFill>
+                  <a:effectLst/>
+                  <a:uLnTx/>
+                  <a:uFillTx/>
+                  <a:latin typeface="맑은 고딕" panose="020F0502020204030204"/>
+                  <a:ea typeface="맑은 고딕" panose="020B0503020000020004" pitchFamily="50" charset="-127"/>
+                  <a:cs typeface="+mn-cs"/>
+                </a:rPr>
+                <a:t>주제 선정</a:t>
+              </a:r>
+            </a:p>
+          </p:txBody>
+        </p:sp>
+      </p:grpSp>
+      <p:sp>
+        <p:nvSpPr>
+          <p:cNvPr id="16" name="TextBox 15"/>
+          <p:cNvSpPr txBox="1"/>
+          <p:nvPr/>
+        </p:nvSpPr>
+        <p:spPr>
+          <a:xfrm>
+            <a:off x="751618" y="1816132"/>
+            <a:ext cx="8686296" cy="4524315"/>
+          </a:xfrm>
+          <a:prstGeom prst="rect">
+            <a:avLst/>
+          </a:prstGeom>
+          <a:noFill/>
+        </p:spPr>
+        <p:txBody>
+          <a:bodyPr wrap="square" rtlCol="0">
+            <a:spAutoFit/>
+          </a:bodyPr>
+          <a:lstStyle/>
+          <a:p>
+            <a:pPr lvl="0"/>
+            <a:r>
+              <a:rPr lang="ko-KR" altLang="en-US" dirty="0">
+                <a:solidFill>
+                  <a:srgbClr val="BAE8E8"/>
+                </a:solidFill>
+              </a:rPr>
+              <a:t> </a:t>
+            </a:r>
+            <a:r>
+              <a:rPr lang="en-US" altLang="ko-KR" dirty="0">
+                <a:solidFill>
+                  <a:srgbClr val="BAE8E8"/>
+                </a:solidFill>
+              </a:rPr>
+              <a:t>- </a:t>
+            </a:r>
+            <a:r>
+              <a:rPr lang="ko-KR" altLang="en-US" dirty="0">
+                <a:solidFill>
+                  <a:srgbClr val="BAE8E8"/>
+                </a:solidFill>
+              </a:rPr>
+              <a:t>주제 그대로 진행</a:t>
+            </a:r>
+            <a:r>
+              <a:rPr lang="en-US" altLang="ko-KR" dirty="0">
+                <a:solidFill>
+                  <a:srgbClr val="BAE8E8"/>
+                </a:solidFill>
+              </a:rPr>
+              <a:t> – Multiple Regression</a:t>
+            </a:r>
+            <a:r>
+              <a:rPr lang="ko-KR" altLang="en-US" dirty="0">
+                <a:solidFill>
+                  <a:srgbClr val="BAE8E8"/>
+                </a:solidFill>
+              </a:rPr>
+              <a:t>와 롤 데이터를 활용한 예측 </a:t>
+            </a:r>
+            <a:r>
+              <a:rPr lang="en-US" altLang="ko-KR" dirty="0">
+                <a:solidFill>
+                  <a:srgbClr val="BAE8E8"/>
+                </a:solidFill>
+              </a:rPr>
+              <a:t>or </a:t>
+            </a:r>
+            <a:r>
+              <a:rPr lang="ko-KR" altLang="en-US" dirty="0">
+                <a:solidFill>
+                  <a:srgbClr val="BAE8E8"/>
+                </a:solidFill>
+              </a:rPr>
+              <a:t>추천</a:t>
+            </a:r>
+            <a:endParaRPr lang="en-US" altLang="ko-KR" dirty="0">
+              <a:solidFill>
+                <a:srgbClr val="BAE8E8"/>
+              </a:solidFill>
+            </a:endParaRPr>
+          </a:p>
+          <a:p>
+            <a:pPr marL="342900" lvl="0" indent="-342900">
+              <a:buAutoNum type="arabicPeriod"/>
+            </a:pPr>
+            <a:endParaRPr lang="en-US" altLang="ko-KR" dirty="0">
+              <a:solidFill>
+                <a:srgbClr val="BAE8E8"/>
+              </a:solidFill>
+            </a:endParaRPr>
+          </a:p>
+          <a:p>
+            <a:pPr lvl="1"/>
+            <a:r>
+              <a:rPr lang="en-US" altLang="ko-KR" dirty="0">
+                <a:solidFill>
+                  <a:srgbClr val="BAE8E8"/>
+                </a:solidFill>
+              </a:rPr>
+              <a:t>(a)</a:t>
+            </a:r>
+            <a:r>
+              <a:rPr lang="ko-KR" altLang="en-US" dirty="0">
+                <a:solidFill>
+                  <a:srgbClr val="BAE8E8"/>
+                </a:solidFill>
+              </a:rPr>
+              <a:t> 게임 시작 </a:t>
+            </a:r>
+            <a:r>
+              <a:rPr lang="en-US" altLang="ko-KR" dirty="0">
+                <a:solidFill>
+                  <a:srgbClr val="BAE8E8"/>
+                </a:solidFill>
+              </a:rPr>
+              <a:t>10</a:t>
+            </a:r>
+            <a:r>
+              <a:rPr lang="ko-KR" altLang="en-US" dirty="0">
+                <a:solidFill>
+                  <a:srgbClr val="BAE8E8"/>
+                </a:solidFill>
+              </a:rPr>
+              <a:t>분간의 데이터에 따른 승부 예측 </a:t>
+            </a:r>
+            <a:endParaRPr lang="en-US" altLang="ko-KR" dirty="0">
+              <a:solidFill>
+                <a:srgbClr val="BAE8E8"/>
+              </a:solidFill>
+            </a:endParaRPr>
+          </a:p>
+          <a:p>
+            <a:pPr lvl="1"/>
+            <a:r>
+              <a:rPr lang="en-US" altLang="ko-KR" dirty="0">
+                <a:solidFill>
+                  <a:srgbClr val="BAE8E8"/>
+                </a:solidFill>
+              </a:rPr>
+              <a:t>(b)</a:t>
+            </a:r>
+            <a:r>
+              <a:rPr lang="ko-KR" altLang="en-US" dirty="0">
+                <a:solidFill>
+                  <a:srgbClr val="BAE8E8"/>
+                </a:solidFill>
+              </a:rPr>
+              <a:t> 다른 팀원의 포지션별 캐릭터 선택에 따른 캐릭터 추천</a:t>
+            </a:r>
+            <a:endParaRPr lang="en-US" altLang="ko-KR" dirty="0">
+              <a:solidFill>
+                <a:srgbClr val="BAE8E8"/>
+              </a:solidFill>
+            </a:endParaRPr>
+          </a:p>
+          <a:p>
+            <a:pPr lvl="1"/>
+            <a:r>
+              <a:rPr lang="en-US" altLang="ko-KR" dirty="0">
+                <a:solidFill>
+                  <a:srgbClr val="BAE8E8"/>
+                </a:solidFill>
+              </a:rPr>
+              <a:t>(c) </a:t>
+            </a:r>
+            <a:r>
+              <a:rPr lang="ko-KR" altLang="en-US" dirty="0">
+                <a:solidFill>
+                  <a:srgbClr val="BAE8E8"/>
+                </a:solidFill>
+              </a:rPr>
+              <a:t>등등</a:t>
+            </a:r>
+            <a:endParaRPr lang="en-US" altLang="ko-KR" dirty="0">
+              <a:solidFill>
+                <a:srgbClr val="BAE8E8"/>
+              </a:solidFill>
+            </a:endParaRPr>
+          </a:p>
+          <a:p>
+            <a:pPr lvl="1"/>
+            <a:endParaRPr lang="en-US" altLang="ko-KR" dirty="0">
+              <a:solidFill>
+                <a:srgbClr val="BAE8E8"/>
+              </a:solidFill>
+            </a:endParaRPr>
+          </a:p>
+          <a:p>
+            <a:pPr lvl="1"/>
+            <a:r>
+              <a:rPr lang="en-US" altLang="ko-KR" dirty="0">
+                <a:solidFill>
+                  <a:srgbClr val="BAE8E8"/>
+                </a:solidFill>
+              </a:rPr>
+              <a:t>- </a:t>
+            </a:r>
+            <a:r>
+              <a:rPr lang="ko-KR" altLang="en-US" dirty="0">
+                <a:solidFill>
+                  <a:srgbClr val="BAE8E8"/>
+                </a:solidFill>
+              </a:rPr>
+              <a:t>주제에 대한 확실한 결과 시연 필요</a:t>
+            </a:r>
+            <a:endParaRPr lang="en-US" altLang="ko-KR" dirty="0">
+              <a:solidFill>
+                <a:srgbClr val="BAE8E8"/>
+              </a:solidFill>
+            </a:endParaRPr>
+          </a:p>
+          <a:p>
+            <a:pPr lvl="0"/>
+            <a:endParaRPr lang="en-US" altLang="ko-KR" dirty="0">
+              <a:solidFill>
+                <a:srgbClr val="BAE8E8"/>
+              </a:solidFill>
+            </a:endParaRPr>
+          </a:p>
+          <a:p>
+            <a:pPr lvl="0"/>
+            <a:r>
+              <a:rPr lang="ko-KR" altLang="en-US" dirty="0">
+                <a:solidFill>
+                  <a:srgbClr val="BAE8E8"/>
+                </a:solidFill>
+              </a:rPr>
+              <a:t> </a:t>
+            </a:r>
+            <a:r>
+              <a:rPr lang="en-US" altLang="ko-KR" dirty="0">
+                <a:solidFill>
+                  <a:srgbClr val="BAE8E8"/>
+                </a:solidFill>
+              </a:rPr>
+              <a:t>- Riot</a:t>
+            </a:r>
+            <a:r>
+              <a:rPr lang="ko-KR" altLang="en-US" dirty="0">
+                <a:solidFill>
+                  <a:srgbClr val="BAE8E8"/>
+                </a:solidFill>
+              </a:rPr>
+              <a:t> </a:t>
+            </a:r>
+            <a:r>
+              <a:rPr lang="en-US" altLang="ko-KR" dirty="0">
+                <a:solidFill>
+                  <a:srgbClr val="BAE8E8"/>
+                </a:solidFill>
+              </a:rPr>
+              <a:t>API</a:t>
+            </a:r>
+            <a:r>
+              <a:rPr lang="ko-KR" altLang="en-US" dirty="0">
+                <a:solidFill>
+                  <a:srgbClr val="BAE8E8"/>
+                </a:solidFill>
+              </a:rPr>
+              <a:t>를 활용하여 직접 롤 데이터 수집 및 가공 </a:t>
+            </a:r>
+            <a:endParaRPr lang="en-US" altLang="ko-KR" dirty="0">
+              <a:solidFill>
+                <a:srgbClr val="BAE8E8"/>
+              </a:solidFill>
+            </a:endParaRPr>
+          </a:p>
+          <a:p>
+            <a:pPr lvl="1"/>
+            <a:r>
+              <a:rPr lang="ko-KR" altLang="en-US" dirty="0">
+                <a:solidFill>
+                  <a:srgbClr val="BAE8E8"/>
+                </a:solidFill>
+              </a:rPr>
+              <a:t> </a:t>
+            </a:r>
+            <a:r>
+              <a:rPr lang="en-US" altLang="ko-KR" dirty="0">
+                <a:solidFill>
+                  <a:srgbClr val="BAE8E8"/>
+                </a:solidFill>
+              </a:rPr>
+              <a:t>- </a:t>
+            </a:r>
+            <a:r>
+              <a:rPr lang="ko-KR" altLang="en-US" dirty="0">
+                <a:solidFill>
+                  <a:srgbClr val="BAE8E8"/>
+                </a:solidFill>
+              </a:rPr>
+              <a:t>데이터의 질과 양 개선</a:t>
+            </a:r>
+            <a:endParaRPr lang="en-US" altLang="ko-KR" dirty="0">
+              <a:solidFill>
+                <a:srgbClr val="BAE8E8"/>
+              </a:solidFill>
+            </a:endParaRPr>
+          </a:p>
+          <a:p>
+            <a:pPr lvl="1"/>
+            <a:r>
+              <a:rPr lang="en-US" altLang="ko-KR" dirty="0">
+                <a:solidFill>
+                  <a:srgbClr val="BAE8E8"/>
+                </a:solidFill>
+              </a:rPr>
+              <a:t> - </a:t>
+            </a:r>
+            <a:r>
+              <a:rPr lang="ko-KR" altLang="en-US" dirty="0">
+                <a:solidFill>
+                  <a:srgbClr val="BAE8E8"/>
+                </a:solidFill>
+              </a:rPr>
+              <a:t>주제와 관련된 데이터만을 수집</a:t>
+            </a:r>
+            <a:endParaRPr lang="en-US" altLang="ko-KR" dirty="0">
+              <a:solidFill>
+                <a:srgbClr val="BAE8E8"/>
+              </a:solidFill>
+            </a:endParaRPr>
+          </a:p>
+          <a:p>
+            <a:pPr lvl="0"/>
+            <a:endParaRPr lang="en-US" altLang="ko-KR" dirty="0">
+              <a:solidFill>
+                <a:srgbClr val="BAE8E8"/>
+              </a:solidFill>
+            </a:endParaRPr>
+          </a:p>
+          <a:p>
+            <a:pPr lvl="0"/>
+            <a:r>
+              <a:rPr lang="en-US" altLang="ko-KR" dirty="0">
+                <a:solidFill>
+                  <a:srgbClr val="BAE8E8"/>
+                </a:solidFill>
+              </a:rPr>
+              <a:t> - </a:t>
+            </a:r>
+            <a:r>
+              <a:rPr lang="ko-KR" altLang="en-US" dirty="0">
+                <a:solidFill>
+                  <a:srgbClr val="BAE8E8"/>
+                </a:solidFill>
+              </a:rPr>
+              <a:t>기존 알고리즘에서 </a:t>
+            </a:r>
+            <a:r>
+              <a:rPr lang="en-US" altLang="ko-KR" dirty="0">
+                <a:solidFill>
+                  <a:srgbClr val="BAE8E8"/>
+                </a:solidFill>
+              </a:rPr>
+              <a:t>overhead</a:t>
+            </a:r>
+            <a:r>
+              <a:rPr lang="ko-KR" altLang="en-US" dirty="0">
+                <a:solidFill>
+                  <a:srgbClr val="BAE8E8"/>
+                </a:solidFill>
+              </a:rPr>
+              <a:t>가 일어나는 </a:t>
+            </a:r>
+            <a:r>
+              <a:rPr lang="en-US" altLang="ko-KR" dirty="0">
+                <a:solidFill>
+                  <a:srgbClr val="BAE8E8"/>
+                </a:solidFill>
+              </a:rPr>
+              <a:t>Data</a:t>
+            </a:r>
+            <a:r>
+              <a:rPr lang="ko-KR" altLang="en-US" dirty="0">
+                <a:solidFill>
+                  <a:srgbClr val="BAE8E8"/>
+                </a:solidFill>
+              </a:rPr>
+              <a:t> </a:t>
+            </a:r>
+            <a:r>
+              <a:rPr lang="en-US" altLang="ko-KR" dirty="0">
+                <a:solidFill>
+                  <a:srgbClr val="BAE8E8"/>
+                </a:solidFill>
+              </a:rPr>
+              <a:t>Summation </a:t>
+            </a:r>
+            <a:r>
+              <a:rPr lang="ko-KR" altLang="en-US" dirty="0">
+                <a:solidFill>
+                  <a:srgbClr val="BAE8E8"/>
+                </a:solidFill>
+              </a:rPr>
+              <a:t>부분이 주 병렬처리 부분이 될 것 </a:t>
+            </a:r>
+            <a:r>
+              <a:rPr lang="en-US" altLang="ko-KR" dirty="0">
+                <a:solidFill>
+                  <a:srgbClr val="BAE8E8"/>
+                </a:solidFill>
+              </a:rPr>
+              <a:t>– (shared/bank conflict/Stream</a:t>
+            </a:r>
+            <a:r>
+              <a:rPr lang="ko-KR" altLang="en-US" dirty="0">
+                <a:solidFill>
+                  <a:srgbClr val="BAE8E8"/>
+                </a:solidFill>
+              </a:rPr>
+              <a:t> 등 여러 기법 적용 가능 </a:t>
+            </a:r>
+            <a:r>
+              <a:rPr lang="en-US" altLang="ko-KR" dirty="0">
+                <a:solidFill>
+                  <a:srgbClr val="BAE8E8"/>
+                </a:solidFill>
+              </a:rPr>
+              <a:t>– </a:t>
+            </a:r>
+            <a:r>
+              <a:rPr lang="ko-KR" altLang="en-US" dirty="0">
+                <a:solidFill>
+                  <a:srgbClr val="BAE8E8"/>
+                </a:solidFill>
+              </a:rPr>
+              <a:t>난이도</a:t>
+            </a:r>
+            <a:r>
+              <a:rPr lang="en-US" altLang="ko-KR" dirty="0">
+                <a:solidFill>
+                  <a:srgbClr val="BAE8E8"/>
+                </a:solidFill>
+              </a:rPr>
+              <a:t>?)</a:t>
+            </a:r>
+          </a:p>
+          <a:p>
+            <a:pPr lvl="0"/>
+            <a:endParaRPr lang="en-US" altLang="ko-KR" dirty="0">
+              <a:solidFill>
+                <a:srgbClr val="BAE8E8"/>
+              </a:solidFill>
+            </a:endParaRPr>
+          </a:p>
+          <a:p>
+            <a:pPr lvl="0"/>
+            <a:r>
+              <a:rPr lang="en-US" altLang="ko-KR" dirty="0">
+                <a:solidFill>
+                  <a:srgbClr val="BAE8E8"/>
+                </a:solidFill>
+              </a:rPr>
+              <a:t>- </a:t>
+            </a:r>
+            <a:r>
+              <a:rPr lang="ko-KR" altLang="en-US" dirty="0">
+                <a:solidFill>
+                  <a:srgbClr val="BAE8E8"/>
+                </a:solidFill>
+              </a:rPr>
+              <a:t>가우스 소거법 부분은 </a:t>
+            </a:r>
+            <a:r>
+              <a:rPr lang="en-US" altLang="ko-KR" dirty="0">
+                <a:solidFill>
+                  <a:srgbClr val="BAE8E8"/>
+                </a:solidFill>
+              </a:rPr>
+              <a:t>CUDA </a:t>
+            </a:r>
+            <a:r>
+              <a:rPr lang="ko-KR" altLang="en-US" dirty="0">
+                <a:solidFill>
+                  <a:srgbClr val="BAE8E8"/>
+                </a:solidFill>
+              </a:rPr>
+              <a:t>적용 성능을 </a:t>
+            </a:r>
+            <a:r>
+              <a:rPr lang="en-US" altLang="ko-KR" dirty="0">
+                <a:solidFill>
+                  <a:srgbClr val="BAE8E8"/>
+                </a:solidFill>
+              </a:rPr>
+              <a:t>OpenMP</a:t>
+            </a:r>
+            <a:r>
+              <a:rPr lang="ko-KR" altLang="en-US" dirty="0">
+                <a:solidFill>
+                  <a:srgbClr val="BAE8E8"/>
+                </a:solidFill>
+              </a:rPr>
+              <a:t>와 비교 후 결정</a:t>
+            </a:r>
+            <a:endParaRPr lang="en-US" altLang="ko-KR" dirty="0">
+              <a:solidFill>
+                <a:srgbClr val="BAE8E8"/>
+              </a:solidFill>
+            </a:endParaRPr>
+          </a:p>
+        </p:txBody>
+      </p:sp>
+    </p:spTree>
+    <p:extLst>
+      <p:ext uri="{BB962C8B-B14F-4D97-AF65-F5344CB8AC3E}">
+        <p14:creationId xmlns:p14="http://schemas.microsoft.com/office/powerpoint/2010/main" val="1531773455"/>
+      </p:ext>
+    </p:extLst>
+  </p:cSld>
+  <p:clrMapOvr>
+    <a:masterClrMapping/>
+  </p:clrMapOvr>
+</p:sld>
+</file>
+
+<file path=ppt/slides/slide17.xml><?xml version="1.0" encoding="utf-8"?>
+<p:sld xmlns:a="http://schemas.openxmlformats.org/drawingml/2006/main" xmlns:r="http://schemas.openxmlformats.org/officeDocument/2006/relationships" xmlns:p="http://schemas.openxmlformats.org/presentationml/2006/main">
+  <p:cSld>
+    <p:bg>
+      <p:bgPr>
+        <a:solidFill>
+          <a:srgbClr val="273043">
+            <a:alpha val="90000"/>
+          </a:srgbClr>
+        </a:solidFill>
+        <a:effectLst/>
+      </p:bgPr>
+    </p:bg>
+    <p:spTree>
+      <p:nvGrpSpPr>
+        <p:cNvPr id="1" name=""/>
+        <p:cNvGrpSpPr/>
+        <p:nvPr/>
+      </p:nvGrpSpPr>
+      <p:grpSpPr>
+        <a:xfrm>
+          <a:off x="0" y="0"/>
+          <a:ext cx="0" cy="0"/>
+          <a:chOff x="0" y="0"/>
+          <a:chExt cx="0" cy="0"/>
+        </a:xfrm>
+      </p:grpSpPr>
+      <p:grpSp>
+        <p:nvGrpSpPr>
+          <p:cNvPr id="2" name="그룹 1"/>
+          <p:cNvGrpSpPr/>
+          <p:nvPr/>
+        </p:nvGrpSpPr>
+        <p:grpSpPr>
+          <a:xfrm>
+            <a:off x="751618" y="653199"/>
+            <a:ext cx="5017079" cy="604326"/>
+            <a:chOff x="751619" y="653199"/>
+            <a:chExt cx="2951304" cy="604326"/>
+          </a:xfrm>
+        </p:grpSpPr>
+        <p:sp>
+          <p:nvSpPr>
+            <p:cNvPr id="4" name="직사각형 3"/>
+            <p:cNvSpPr/>
+            <p:nvPr/>
+          </p:nvSpPr>
+          <p:spPr>
+            <a:xfrm>
+              <a:off x="751619" y="1211806"/>
+              <a:ext cx="2272851" cy="45719"/>
+            </a:xfrm>
+            <a:prstGeom prst="rect">
+              <a:avLst/>
+            </a:prstGeom>
+            <a:solidFill>
+              <a:srgbClr val="E3F6F5">
+                <a:alpha val="80000"/>
+              </a:srgbClr>
+            </a:solidFill>
+            <a:ln>
+              <a:noFill/>
+            </a:ln>
+          </p:spPr>
+          <p:style>
+            <a:lnRef idx="2">
+              <a:schemeClr val="accent1">
+                <a:shade val="50000"/>
+              </a:schemeClr>
+            </a:lnRef>
+            <a:fillRef idx="1">
+              <a:schemeClr val="accent1"/>
+            </a:fillRef>
+            <a:effectRef idx="0">
+              <a:schemeClr val="accent1"/>
+            </a:effectRef>
+            <a:fontRef idx="minor">
+              <a:schemeClr val="lt1"/>
+            </a:fontRef>
+          </p:style>
+          <p:txBody>
+            <a:bodyPr rtlCol="0" anchor="ctr"/>
+            <a:lstStyle/>
+            <a:p>
+              <a:pPr marL="0" marR="0" lvl="0" indent="0" algn="ctr" defTabSz="914400" rtl="0" eaLnBrk="1" fontAlgn="auto" latinLnBrk="1" hangingPunct="1">
+                <a:lnSpc>
+                  <a:spcPct val="100000"/>
+                </a:lnSpc>
+                <a:spcBef>
+                  <a:spcPts val="0"/>
+                </a:spcBef>
+                <a:spcAft>
+                  <a:spcPts val="0"/>
+                </a:spcAft>
+                <a:buClrTx/>
+                <a:buSzTx/>
+                <a:buFontTx/>
+                <a:buNone/>
+                <a:tabLst/>
+                <a:defRPr/>
+              </a:pPr>
+              <a:endParaRPr kumimoji="0" lang="ko-KR" altLang="en-US" sz="1800" b="1" i="0" u="none" strike="noStrike" kern="1200" cap="none" spc="0" normalizeH="0" baseline="0" noProof="0">
+                <a:ln>
+                  <a:noFill/>
+                </a:ln>
+                <a:solidFill>
+                  <a:prstClr val="white"/>
+                </a:solidFill>
+                <a:effectLst/>
+                <a:uLnTx/>
+                <a:uFillTx/>
+                <a:latin typeface="맑은 고딕" panose="020F0502020204030204"/>
+                <a:ea typeface="맑은 고딕" panose="020B0503020000020004" pitchFamily="50" charset="-127"/>
+                <a:cs typeface="+mn-cs"/>
+              </a:endParaRPr>
+            </a:p>
+          </p:txBody>
+        </p:sp>
+        <p:sp>
+          <p:nvSpPr>
+            <p:cNvPr id="6" name="TextBox 5"/>
+            <p:cNvSpPr txBox="1"/>
+            <p:nvPr/>
+          </p:nvSpPr>
+          <p:spPr>
+            <a:xfrm>
+              <a:off x="751619" y="653199"/>
+              <a:ext cx="2951304" cy="584775"/>
+            </a:xfrm>
+            <a:prstGeom prst="rect">
+              <a:avLst/>
+            </a:prstGeom>
+            <a:noFill/>
+          </p:spPr>
+          <p:txBody>
+            <a:bodyPr wrap="square" rtlCol="0">
+              <a:spAutoFit/>
+            </a:bodyPr>
+            <a:lstStyle/>
+            <a:p>
+              <a:pPr marL="0" marR="0" lvl="0" indent="0" algn="l" defTabSz="914400" rtl="0" eaLnBrk="1" fontAlgn="auto" latinLnBrk="1" hangingPunct="1">
+                <a:lnSpc>
+                  <a:spcPct val="100000"/>
+                </a:lnSpc>
+                <a:spcBef>
+                  <a:spcPts val="0"/>
+                </a:spcBef>
+                <a:spcAft>
+                  <a:spcPts val="0"/>
+                </a:spcAft>
+                <a:buClrTx/>
+                <a:buSzTx/>
+                <a:buFontTx/>
+                <a:buNone/>
+                <a:tabLst/>
+                <a:defRPr/>
+              </a:pPr>
+              <a:r>
+                <a:rPr kumimoji="0" lang="en-US" altLang="ko-KR" sz="3200" b="1" i="0" u="none" strike="noStrike" kern="1200" cap="none" spc="0" normalizeH="0" baseline="0" noProof="0" dirty="0">
+                  <a:ln>
+                    <a:noFill/>
+                  </a:ln>
+                  <a:solidFill>
+                    <a:srgbClr val="BAE8E8"/>
+                  </a:solidFill>
+                  <a:effectLst/>
+                  <a:uLnTx/>
+                  <a:uFillTx/>
+                  <a:latin typeface="맑은 고딕" panose="020F0502020204030204"/>
+                  <a:ea typeface="맑은 고딕" panose="020B0503020000020004" pitchFamily="50" charset="-127"/>
+                  <a:cs typeface="+mn-cs"/>
+                </a:rPr>
+                <a:t>CUDA </a:t>
+              </a:r>
+              <a:r>
+                <a:rPr kumimoji="0" lang="ko-KR" altLang="en-US" sz="3200" b="1" i="0" u="none" strike="noStrike" kern="1200" cap="none" spc="0" normalizeH="0" baseline="0" noProof="0" dirty="0">
+                  <a:ln>
+                    <a:noFill/>
+                  </a:ln>
+                  <a:solidFill>
+                    <a:srgbClr val="BAE8E8"/>
+                  </a:solidFill>
+                  <a:effectLst/>
+                  <a:uLnTx/>
+                  <a:uFillTx/>
+                  <a:latin typeface="맑은 고딕" panose="020F0502020204030204"/>
+                  <a:ea typeface="맑은 고딕" panose="020B0503020000020004" pitchFamily="50" charset="-127"/>
+                  <a:cs typeface="+mn-cs"/>
+                </a:rPr>
+                <a:t>주제 선정</a:t>
+              </a:r>
+            </a:p>
+          </p:txBody>
+        </p:sp>
+      </p:grpSp>
+      <p:sp>
+        <p:nvSpPr>
+          <p:cNvPr id="16" name="TextBox 15"/>
+          <p:cNvSpPr txBox="1"/>
+          <p:nvPr/>
+        </p:nvSpPr>
+        <p:spPr>
+          <a:xfrm>
+            <a:off x="751618" y="1816132"/>
+            <a:ext cx="9024484" cy="2585323"/>
+          </a:xfrm>
+          <a:prstGeom prst="rect">
+            <a:avLst/>
+          </a:prstGeom>
+          <a:noFill/>
+        </p:spPr>
+        <p:txBody>
+          <a:bodyPr wrap="square" rtlCol="0">
+            <a:spAutoFit/>
+          </a:bodyPr>
+          <a:lstStyle/>
+          <a:p>
+            <a:pPr marL="0" marR="0" lvl="0" indent="0" algn="l" defTabSz="914400" rtl="0" eaLnBrk="1" fontAlgn="auto" latinLnBrk="1" hangingPunct="1">
+              <a:lnSpc>
+                <a:spcPct val="100000"/>
+              </a:lnSpc>
+              <a:spcBef>
+                <a:spcPts val="0"/>
+              </a:spcBef>
+              <a:spcAft>
+                <a:spcPts val="0"/>
+              </a:spcAft>
+              <a:buClrTx/>
+              <a:buSzTx/>
+              <a:buFontTx/>
+              <a:buNone/>
+              <a:tabLst/>
+              <a:defRPr/>
+            </a:pPr>
+            <a:r>
+              <a:rPr kumimoji="0" lang="ko-KR" altLang="en-US" sz="1800" b="0" i="0" u="none" strike="noStrike" kern="1200" cap="none" spc="0" normalizeH="0" baseline="0" noProof="0" dirty="0">
+                <a:ln>
+                  <a:noFill/>
+                </a:ln>
+                <a:solidFill>
+                  <a:srgbClr val="BAE8E8"/>
+                </a:solidFill>
+                <a:effectLst/>
+                <a:uLnTx/>
+                <a:uFillTx/>
+                <a:latin typeface="맑은 고딕" panose="020F0502020204030204"/>
+                <a:ea typeface="맑은 고딕" panose="020B0503020000020004" pitchFamily="50" charset="-127"/>
+                <a:cs typeface="+mn-cs"/>
+              </a:rPr>
+              <a:t>기타 질문</a:t>
+            </a:r>
+            <a:endParaRPr kumimoji="0" lang="en-US" altLang="ko-KR" sz="1800" b="0" i="0" u="none" strike="noStrike" kern="1200" cap="none" spc="0" normalizeH="0" baseline="0" noProof="0" dirty="0">
+              <a:ln>
+                <a:noFill/>
+              </a:ln>
+              <a:solidFill>
+                <a:srgbClr val="BAE8E8"/>
+              </a:solidFill>
+              <a:effectLst/>
+              <a:uLnTx/>
+              <a:uFillTx/>
+              <a:latin typeface="맑은 고딕" panose="020F0502020204030204"/>
+              <a:ea typeface="맑은 고딕" panose="020B0503020000020004" pitchFamily="50" charset="-127"/>
+              <a:cs typeface="+mn-cs"/>
+            </a:endParaRPr>
+          </a:p>
+          <a:p>
+            <a:pPr marL="342900" marR="0" lvl="0" indent="-342900" algn="l" defTabSz="914400" rtl="0" eaLnBrk="1" fontAlgn="auto" latinLnBrk="1" hangingPunct="1">
+              <a:lnSpc>
+                <a:spcPct val="100000"/>
+              </a:lnSpc>
+              <a:spcBef>
+                <a:spcPts val="0"/>
+              </a:spcBef>
+              <a:spcAft>
+                <a:spcPts val="0"/>
+              </a:spcAft>
+              <a:buClrTx/>
+              <a:buSzTx/>
+              <a:buFontTx/>
+              <a:buAutoNum type="arabicPeriod"/>
+              <a:tabLst/>
+              <a:defRPr/>
+            </a:pPr>
+            <a:r>
+              <a:rPr kumimoji="0" lang="ko-KR" altLang="en-US" sz="1800" b="0" i="0" u="none" strike="noStrike" kern="1200" cap="none" spc="0" normalizeH="0" baseline="0" noProof="0" dirty="0">
+                <a:ln>
+                  <a:noFill/>
+                </a:ln>
+                <a:solidFill>
+                  <a:srgbClr val="BAE8E8"/>
+                </a:solidFill>
+                <a:effectLst/>
+                <a:uLnTx/>
+                <a:uFillTx/>
+                <a:latin typeface="맑은 고딕" panose="020F0502020204030204"/>
+                <a:ea typeface="맑은 고딕" panose="020B0503020000020004" pitchFamily="50" charset="-127"/>
+                <a:cs typeface="+mn-cs"/>
+              </a:rPr>
+              <a:t>최종발표가 오프라인으로 이루어지는데 기말고사기간 생활관 입주 결과가 아직 나오지 않아서</a:t>
+            </a:r>
+            <a:r>
+              <a:rPr kumimoji="0" lang="en-US" altLang="ko-KR" sz="1800" b="0" i="0" u="none" strike="noStrike" kern="1200" cap="none" spc="0" normalizeH="0" baseline="0" noProof="0" dirty="0">
+                <a:ln>
+                  <a:noFill/>
+                </a:ln>
+                <a:solidFill>
+                  <a:srgbClr val="BAE8E8"/>
+                </a:solidFill>
+                <a:effectLst/>
+                <a:uLnTx/>
+                <a:uFillTx/>
+                <a:latin typeface="맑은 고딕" panose="020F0502020204030204"/>
+                <a:ea typeface="맑은 고딕" panose="020B0503020000020004" pitchFamily="50" charset="-127"/>
+                <a:cs typeface="+mn-cs"/>
+              </a:rPr>
+              <a:t>(6.5</a:t>
+            </a:r>
+            <a:r>
+              <a:rPr kumimoji="0" lang="ko-KR" altLang="en-US" sz="1800" b="0" i="0" u="none" strike="noStrike" kern="1200" cap="none" spc="0" normalizeH="0" baseline="0" noProof="0" dirty="0">
+                <a:ln>
+                  <a:noFill/>
+                </a:ln>
+                <a:solidFill>
+                  <a:srgbClr val="BAE8E8"/>
+                </a:solidFill>
+                <a:effectLst/>
+                <a:uLnTx/>
+                <a:uFillTx/>
+                <a:latin typeface="맑은 고딕" panose="020F0502020204030204"/>
+                <a:ea typeface="맑은 고딕" panose="020B0503020000020004" pitchFamily="50" charset="-127"/>
+                <a:cs typeface="+mn-cs"/>
+              </a:rPr>
+              <a:t>일 발표</a:t>
+            </a:r>
+            <a:r>
+              <a:rPr kumimoji="0" lang="en-US" altLang="ko-KR" sz="1800" b="0" i="0" u="none" strike="noStrike" kern="1200" cap="none" spc="0" normalizeH="0" baseline="0" noProof="0" dirty="0">
+                <a:ln>
+                  <a:noFill/>
+                </a:ln>
+                <a:solidFill>
+                  <a:srgbClr val="BAE8E8"/>
+                </a:solidFill>
+                <a:effectLst/>
+                <a:uLnTx/>
+                <a:uFillTx/>
+                <a:latin typeface="맑은 고딕" panose="020F0502020204030204"/>
+                <a:ea typeface="맑은 고딕" panose="020B0503020000020004" pitchFamily="50" charset="-127"/>
+                <a:cs typeface="+mn-cs"/>
+              </a:rPr>
+              <a:t>) </a:t>
+            </a:r>
+            <a:r>
+              <a:rPr kumimoji="0" lang="ko-KR" altLang="en-US" sz="1800" b="0" i="0" u="none" strike="noStrike" kern="1200" cap="none" spc="0" normalizeH="0" baseline="0" noProof="0" dirty="0">
+                <a:ln>
+                  <a:noFill/>
+                </a:ln>
+                <a:solidFill>
+                  <a:srgbClr val="BAE8E8"/>
+                </a:solidFill>
+                <a:effectLst/>
+                <a:uLnTx/>
+                <a:uFillTx/>
+                <a:latin typeface="맑은 고딕" panose="020F0502020204030204"/>
+                <a:ea typeface="맑은 고딕" panose="020B0503020000020004" pitchFamily="50" charset="-127"/>
+                <a:cs typeface="+mn-cs"/>
+              </a:rPr>
+              <a:t>입주 탈락 시 해당 인원이 발표날 지각 등을 하게 된다면 어떻게 처리될 지</a:t>
+            </a:r>
+            <a:endParaRPr kumimoji="0" lang="en-US" altLang="ko-KR" sz="1800" b="0" i="0" u="none" strike="noStrike" kern="1200" cap="none" spc="0" normalizeH="0" baseline="0" noProof="0" dirty="0">
+              <a:ln>
+                <a:noFill/>
+              </a:ln>
+              <a:solidFill>
+                <a:srgbClr val="BAE8E8"/>
+              </a:solidFill>
+              <a:effectLst/>
+              <a:uLnTx/>
+              <a:uFillTx/>
+              <a:latin typeface="맑은 고딕" panose="020F0502020204030204"/>
+              <a:ea typeface="맑은 고딕" panose="020B0503020000020004" pitchFamily="50" charset="-127"/>
+              <a:cs typeface="+mn-cs"/>
+            </a:endParaRPr>
+          </a:p>
+          <a:p>
+            <a:pPr marL="342900" marR="0" lvl="0" indent="-342900" algn="l" defTabSz="914400" rtl="0" eaLnBrk="1" fontAlgn="auto" latinLnBrk="1" hangingPunct="1">
+              <a:lnSpc>
+                <a:spcPct val="100000"/>
+              </a:lnSpc>
+              <a:spcBef>
+                <a:spcPts val="0"/>
+              </a:spcBef>
+              <a:spcAft>
+                <a:spcPts val="0"/>
+              </a:spcAft>
+              <a:buClrTx/>
+              <a:buSzTx/>
+              <a:buFontTx/>
+              <a:buAutoNum type="arabicPeriod"/>
+              <a:tabLst/>
+              <a:defRPr/>
+            </a:pPr>
+            <a:endParaRPr kumimoji="0" lang="en-US" altLang="ko-KR" sz="1800" b="0" i="0" u="none" strike="noStrike" kern="1200" cap="none" spc="0" normalizeH="0" baseline="0" noProof="0" dirty="0">
+              <a:ln>
+                <a:noFill/>
+              </a:ln>
+              <a:solidFill>
+                <a:srgbClr val="BAE8E8"/>
+              </a:solidFill>
+              <a:effectLst/>
+              <a:uLnTx/>
+              <a:uFillTx/>
+              <a:latin typeface="맑은 고딕" panose="020F0502020204030204"/>
+              <a:ea typeface="맑은 고딕" panose="020B0503020000020004" pitchFamily="50" charset="-127"/>
+              <a:cs typeface="+mn-cs"/>
+            </a:endParaRPr>
+          </a:p>
+          <a:p>
+            <a:pPr marL="342900" marR="0" lvl="0" indent="-342900" algn="l" defTabSz="914400" rtl="0" eaLnBrk="1" fontAlgn="auto" latinLnBrk="1" hangingPunct="1">
+              <a:lnSpc>
+                <a:spcPct val="100000"/>
+              </a:lnSpc>
+              <a:spcBef>
+                <a:spcPts val="0"/>
+              </a:spcBef>
+              <a:spcAft>
+                <a:spcPts val="0"/>
+              </a:spcAft>
+              <a:buClrTx/>
+              <a:buSzTx/>
+              <a:buFontTx/>
+              <a:buAutoNum type="arabicPeriod"/>
+              <a:tabLst/>
+              <a:defRPr/>
+            </a:pPr>
+            <a:r>
+              <a:rPr kumimoji="0" lang="ko-KR" altLang="en-US" sz="1800" b="0" i="0" u="none" strike="noStrike" kern="1200" cap="none" spc="0" normalizeH="0" baseline="0" noProof="0" dirty="0">
+                <a:ln>
+                  <a:noFill/>
+                </a:ln>
+                <a:solidFill>
+                  <a:srgbClr val="BAE8E8"/>
+                </a:solidFill>
+                <a:effectLst/>
+                <a:uLnTx/>
+                <a:uFillTx/>
+                <a:latin typeface="맑은 고딕" panose="020F0502020204030204"/>
+                <a:ea typeface="맑은 고딕" panose="020B0503020000020004" pitchFamily="50" charset="-127"/>
+                <a:cs typeface="+mn-cs"/>
+              </a:rPr>
+              <a:t>만약 이전 팀 프로젝트에서 진행했던 주제를 개선 목적으로 다시 사용해도 난이도 평가 등에서 </a:t>
+            </a:r>
+            <a:r>
+              <a:rPr kumimoji="0" lang="ko-KR" altLang="en-US" sz="1800" b="0" i="0" u="none" strike="noStrike" kern="1200" cap="none" spc="0" normalizeH="0" baseline="0" noProof="0" dirty="0" err="1">
+                <a:ln>
+                  <a:noFill/>
+                </a:ln>
+                <a:solidFill>
+                  <a:srgbClr val="BAE8E8"/>
+                </a:solidFill>
+                <a:effectLst/>
+                <a:uLnTx/>
+                <a:uFillTx/>
+                <a:latin typeface="맑은 고딕" panose="020F0502020204030204"/>
+                <a:ea typeface="맑은 고딕" panose="020B0503020000020004" pitchFamily="50" charset="-127"/>
+                <a:cs typeface="+mn-cs"/>
+              </a:rPr>
+              <a:t>디메리트는</a:t>
+            </a:r>
+            <a:r>
+              <a:rPr kumimoji="0" lang="ko-KR" altLang="en-US" sz="1800" b="0" i="0" u="none" strike="noStrike" kern="1200" cap="none" spc="0" normalizeH="0" baseline="0" noProof="0" dirty="0">
+                <a:ln>
+                  <a:noFill/>
+                </a:ln>
+                <a:solidFill>
+                  <a:srgbClr val="BAE8E8"/>
+                </a:solidFill>
+                <a:effectLst/>
+                <a:uLnTx/>
+                <a:uFillTx/>
+                <a:latin typeface="맑은 고딕" panose="020F0502020204030204"/>
+                <a:ea typeface="맑은 고딕" panose="020B0503020000020004" pitchFamily="50" charset="-127"/>
+                <a:cs typeface="+mn-cs"/>
+              </a:rPr>
+              <a:t> 없는지</a:t>
+            </a:r>
+            <a:r>
+              <a:rPr kumimoji="0" lang="en-US" altLang="ko-KR" sz="1800" b="0" i="0" u="none" strike="noStrike" kern="1200" cap="none" spc="0" normalizeH="0" baseline="0" noProof="0" dirty="0">
+                <a:ln>
+                  <a:noFill/>
+                </a:ln>
+                <a:solidFill>
+                  <a:srgbClr val="BAE8E8"/>
+                </a:solidFill>
+                <a:effectLst/>
+                <a:uLnTx/>
+                <a:uFillTx/>
+                <a:latin typeface="맑은 고딕" panose="020F0502020204030204"/>
+                <a:ea typeface="맑은 고딕" panose="020B0503020000020004" pitchFamily="50" charset="-127"/>
+                <a:cs typeface="+mn-cs"/>
+              </a:rPr>
+              <a:t>,</a:t>
+            </a:r>
+            <a:r>
+              <a:rPr kumimoji="0" lang="ko-KR" altLang="en-US" sz="1800" b="0" i="0" u="none" strike="noStrike" kern="1200" cap="none" spc="0" normalizeH="0" baseline="0" noProof="0" dirty="0">
+                <a:ln>
+                  <a:noFill/>
+                </a:ln>
+                <a:solidFill>
+                  <a:srgbClr val="BAE8E8"/>
+                </a:solidFill>
+                <a:effectLst/>
+                <a:uLnTx/>
+                <a:uFillTx/>
+                <a:latin typeface="맑은 고딕" panose="020F0502020204030204"/>
+                <a:ea typeface="맑은 고딕" panose="020B0503020000020004" pitchFamily="50" charset="-127"/>
+                <a:cs typeface="+mn-cs"/>
+              </a:rPr>
+              <a:t> 이전 팀들 중에 주제 유지한 경우 있는 지</a:t>
+            </a:r>
+            <a:endParaRPr kumimoji="0" lang="en-US" altLang="ko-KR" sz="1800" b="0" i="0" u="none" strike="noStrike" kern="1200" cap="none" spc="0" normalizeH="0" baseline="0" noProof="0" dirty="0">
+              <a:ln>
+                <a:noFill/>
+              </a:ln>
+              <a:solidFill>
+                <a:srgbClr val="BAE8E8"/>
+              </a:solidFill>
+              <a:effectLst/>
+              <a:uLnTx/>
+              <a:uFillTx/>
+              <a:latin typeface="맑은 고딕" panose="020F0502020204030204"/>
+              <a:ea typeface="맑은 고딕" panose="020B0503020000020004" pitchFamily="50" charset="-127"/>
+              <a:cs typeface="+mn-cs"/>
+            </a:endParaRPr>
+          </a:p>
+          <a:p>
+            <a:pPr marL="342900" marR="0" lvl="0" indent="-342900" algn="l" defTabSz="914400" rtl="0" eaLnBrk="1" fontAlgn="auto" latinLnBrk="1" hangingPunct="1">
+              <a:lnSpc>
+                <a:spcPct val="100000"/>
+              </a:lnSpc>
+              <a:spcBef>
+                <a:spcPts val="0"/>
+              </a:spcBef>
+              <a:spcAft>
+                <a:spcPts val="0"/>
+              </a:spcAft>
+              <a:buClrTx/>
+              <a:buSzTx/>
+              <a:buFontTx/>
+              <a:buAutoNum type="arabicPeriod"/>
+              <a:tabLst/>
+              <a:defRPr/>
+            </a:pPr>
+            <a:endParaRPr kumimoji="0" lang="en-US" altLang="ko-KR" sz="1800" b="0" i="0" u="none" strike="noStrike" kern="1200" cap="none" spc="0" normalizeH="0" baseline="0" noProof="0" dirty="0">
+              <a:ln>
+                <a:noFill/>
+              </a:ln>
+              <a:solidFill>
+                <a:srgbClr val="BAE8E8"/>
+              </a:solidFill>
+              <a:effectLst/>
+              <a:uLnTx/>
+              <a:uFillTx/>
+              <a:latin typeface="맑은 고딕" panose="020F0502020204030204"/>
+              <a:ea typeface="맑은 고딕" panose="020B0503020000020004" pitchFamily="50" charset="-127"/>
+              <a:cs typeface="+mn-cs"/>
+            </a:endParaRPr>
+          </a:p>
+          <a:p>
+            <a:pPr marL="342900" marR="0" lvl="0" indent="-342900" algn="l" defTabSz="914400" rtl="0" eaLnBrk="1" fontAlgn="auto" latinLnBrk="1" hangingPunct="1">
+              <a:lnSpc>
+                <a:spcPct val="100000"/>
+              </a:lnSpc>
+              <a:spcBef>
+                <a:spcPts val="0"/>
+              </a:spcBef>
+              <a:spcAft>
+                <a:spcPts val="0"/>
+              </a:spcAft>
+              <a:buClrTx/>
+              <a:buSzTx/>
+              <a:buFontTx/>
+              <a:buAutoNum type="arabicPeriod"/>
+              <a:tabLst/>
+              <a:defRPr/>
+            </a:pPr>
+            <a:endParaRPr kumimoji="0" lang="ko-KR" altLang="en-US" sz="1800" b="0" i="0" u="none" strike="noStrike" kern="1200" cap="none" spc="0" normalizeH="0" baseline="0" noProof="0" dirty="0">
+              <a:ln>
+                <a:noFill/>
+              </a:ln>
+              <a:solidFill>
+                <a:srgbClr val="BAE8E8"/>
+              </a:solidFill>
+              <a:effectLst/>
+              <a:uLnTx/>
+              <a:uFillTx/>
+              <a:latin typeface="맑은 고딕" panose="020F0502020204030204"/>
+              <a:ea typeface="맑은 고딕" panose="020B0503020000020004" pitchFamily="50" charset="-127"/>
+              <a:cs typeface="+mn-cs"/>
+            </a:endParaRPr>
+          </a:p>
+        </p:txBody>
+      </p:sp>
+    </p:spTree>
+    <p:extLst>
+      <p:ext uri="{BB962C8B-B14F-4D97-AF65-F5344CB8AC3E}">
+        <p14:creationId xmlns:p14="http://schemas.microsoft.com/office/powerpoint/2010/main" val="1690826395"/>
+      </p:ext>
+    </p:extLst>
+  </p:cSld>
+  <p:clrMapOvr>
+    <a:masterClrMapping/>
+  </p:clrMapOvr>
 </p:sld>
 </file>
 
@@ -6506,7 +7743,7 @@
             <a:lstStyle/>
             <a:p>
               <a:r>
-                <a:rPr lang="en-US" altLang="ko-KR" sz="3200" b="1" smtClean="0">
+                <a:rPr lang="en-US" altLang="ko-KR" sz="3200" b="1">
                   <a:solidFill>
                     <a:srgbClr val="BAE8E8"/>
                   </a:solidFill>
@@ -6775,7 +8012,7 @@
           <a:lstStyle/>
           <a:p>
             <a:r>
-              <a:rPr lang="en-US" altLang="ko-KR" sz="2800" smtClean="0">
+              <a:rPr lang="en-US" altLang="ko-KR" sz="2800">
                 <a:solidFill>
                   <a:srgbClr val="BAE8E8"/>
                 </a:solidFill>
@@ -6813,7 +8050,7 @@
           <a:lstStyle/>
           <a:p>
             <a:r>
-              <a:rPr lang="en-US" altLang="ko-KR" sz="2800" smtClean="0">
+              <a:rPr lang="en-US" altLang="ko-KR" sz="2800">
                 <a:solidFill>
                   <a:srgbClr val="BAE8E8"/>
                 </a:solidFill>
@@ -6851,7 +8088,7 @@
           <a:lstStyle/>
           <a:p>
             <a:r>
-              <a:rPr lang="en-US" altLang="ko-KR" sz="2800" smtClean="0">
+              <a:rPr lang="en-US" altLang="ko-KR" sz="2800">
                 <a:solidFill>
                   <a:srgbClr val="BAE8E8"/>
                 </a:solidFill>
@@ -6889,7 +8126,7 @@
           <a:lstStyle/>
           <a:p>
             <a:r>
-              <a:rPr lang="en-US" altLang="ko-KR" sz="2800" smtClean="0">
+              <a:rPr lang="en-US" altLang="ko-KR" sz="2800">
                 <a:solidFill>
                   <a:srgbClr val="BAE8E8"/>
                 </a:solidFill>
@@ -6927,7 +8164,7 @@
           <a:lstStyle/>
           <a:p>
             <a:r>
-              <a:rPr lang="en-US" altLang="ko-KR" sz="2800" smtClean="0">
+              <a:rPr lang="en-US" altLang="ko-KR" sz="2800">
                 <a:solidFill>
                   <a:srgbClr val="BAE8E8"/>
                 </a:solidFill>
@@ -6952,13 +8189,6 @@
   <p:clrMapOvr>
     <a:masterClrMapping/>
   </p:clrMapOvr>
-  <p:timing>
-    <p:tnLst>
-      <p:par>
-        <p:cTn id="1" dur="indefinite" restart="never" nodeType="tmRoot"/>
-      </p:par>
-    </p:tnLst>
-  </p:timing>
 </p:sld>
 </file>
 
@@ -7074,7 +8304,7 @@
             <a:lstStyle/>
             <a:p>
               <a:r>
-                <a:rPr lang="en-US" altLang="ko-KR" sz="3200" b="1" smtClean="0">
+                <a:rPr lang="en-US" altLang="ko-KR" sz="3200" b="1">
                   <a:solidFill>
                     <a:srgbClr val="BAE8E8"/>
                   </a:solidFill>
@@ -7114,7 +8344,7 @@
           <a:p>
             <a:pPr algn="ctr"/>
             <a:r>
-              <a:rPr lang="en-US" altLang="ko-KR" smtClean="0">
+              <a:rPr lang="en-US" altLang="ko-KR">
                 <a:solidFill>
                   <a:srgbClr val="E3F6F5"/>
                 </a:solidFill>
@@ -7122,7 +8352,7 @@
               <a:t>Multiple Regression</a:t>
             </a:r>
             <a:r>
-              <a:rPr lang="ko-KR" altLang="en-US" smtClean="0">
+              <a:rPr lang="ko-KR" altLang="en-US">
                 <a:solidFill>
                   <a:srgbClr val="BAE8E8"/>
                 </a:solidFill>
@@ -7130,7 +8360,7 @@
               <a:t>을 이용하여</a:t>
             </a:r>
             <a:r>
-              <a:rPr lang="en-US" altLang="ko-KR" smtClean="0">
+              <a:rPr lang="en-US" altLang="ko-KR">
                 <a:solidFill>
                   <a:srgbClr val="BAE8E8"/>
                 </a:solidFill>
@@ -7138,7 +8368,7 @@
               <a:t>, </a:t>
             </a:r>
             <a:r>
-              <a:rPr lang="ko-KR" altLang="en-US" smtClean="0">
+              <a:rPr lang="ko-KR" altLang="en-US">
                 <a:solidFill>
                   <a:srgbClr val="BAE8E8"/>
                 </a:solidFill>
@@ -7146,7 +8376,7 @@
               <a:t>우리는 </a:t>
             </a:r>
             <a:r>
-              <a:rPr lang="ko-KR" altLang="en-US" smtClean="0">
+              <a:rPr lang="ko-KR" altLang="en-US">
                 <a:solidFill>
                   <a:srgbClr val="E3F6F5"/>
                 </a:solidFill>
@@ -7154,7 +8384,7 @@
               <a:t>임의 변수들 사이의 관계를 나타내는 함수를 계산</a:t>
             </a:r>
             <a:r>
-              <a:rPr lang="ko-KR" altLang="en-US" smtClean="0">
+              <a:rPr lang="ko-KR" altLang="en-US">
                 <a:solidFill>
                   <a:srgbClr val="BAE8E8"/>
                 </a:solidFill>
@@ -7162,7 +8392,7 @@
               <a:t>해낼 수 있다</a:t>
             </a:r>
             <a:r>
-              <a:rPr lang="en-US" altLang="ko-KR" smtClean="0">
+              <a:rPr lang="en-US" altLang="ko-KR">
                 <a:solidFill>
                   <a:srgbClr val="BAE8E8"/>
                 </a:solidFill>
@@ -7170,7 +8400,7 @@
               <a:t>(n</a:t>
             </a:r>
             <a:r>
-              <a:rPr lang="ko-KR" altLang="en-US" smtClean="0">
+              <a:rPr lang="ko-KR" altLang="en-US">
                 <a:solidFill>
                   <a:srgbClr val="BAE8E8"/>
                 </a:solidFill>
@@ -7178,7 +8408,7 @@
               <a:t>개의 독립변수와 </a:t>
             </a:r>
             <a:r>
-              <a:rPr lang="en-US" altLang="ko-KR" smtClean="0">
+              <a:rPr lang="en-US" altLang="ko-KR">
                 <a:solidFill>
                   <a:srgbClr val="BAE8E8"/>
                 </a:solidFill>
@@ -7186,7 +8416,7 @@
               <a:t>1</a:t>
             </a:r>
             <a:r>
-              <a:rPr lang="ko-KR" altLang="en-US" smtClean="0">
+              <a:rPr lang="ko-KR" altLang="en-US">
                 <a:solidFill>
                   <a:srgbClr val="BAE8E8"/>
                 </a:solidFill>
@@ -7194,7 +8424,7 @@
               <a:t>개의 종속변수</a:t>
             </a:r>
             <a:r>
-              <a:rPr lang="en-US" altLang="ko-KR" smtClean="0">
+              <a:rPr lang="en-US" altLang="ko-KR">
                 <a:solidFill>
                   <a:srgbClr val="BAE8E8"/>
                 </a:solidFill>
@@ -7232,7 +8462,7 @@
           <a:lstStyle/>
           <a:p>
             <a:r>
-              <a:rPr lang="en-US" altLang="ko-KR" smtClean="0">
+              <a:rPr lang="en-US" altLang="ko-KR">
                 <a:solidFill>
                   <a:srgbClr val="BAE8E8"/>
                 </a:solidFill>
@@ -7281,13 +8511,6 @@
   <p:clrMapOvr>
     <a:masterClrMapping/>
   </p:clrMapOvr>
-  <p:timing>
-    <p:tnLst>
-      <p:par>
-        <p:cTn id="1" dur="indefinite" restart="never" nodeType="tmRoot"/>
-      </p:par>
-    </p:tnLst>
-  </p:timing>
 </p:sld>
 </file>
 
@@ -7842,7 +9065,7 @@
             <a:lstStyle/>
             <a:p>
               <a:r>
-                <a:rPr lang="en-US" altLang="ko-KR" sz="3200" b="1" smtClean="0">
+                <a:rPr lang="en-US" altLang="ko-KR" sz="3200" b="1">
                   <a:solidFill>
                     <a:srgbClr val="BAE8E8"/>
                   </a:solidFill>
@@ -7932,7 +9155,7 @@
           <a:lstStyle/>
           <a:p>
             <a:r>
-              <a:rPr lang="en-US" altLang="ko-KR" smtClean="0">
+              <a:rPr lang="en-US" altLang="ko-KR">
                 <a:solidFill>
                   <a:srgbClr val="BAE8E8"/>
                 </a:solidFill>
@@ -7971,7 +9194,7 @@
           <a:p>
             <a:pPr algn="ctr"/>
             <a:r>
-              <a:rPr lang="ko-KR" altLang="en-US" sz="2400" b="1" smtClean="0">
+              <a:rPr lang="ko-KR" altLang="en-US" sz="2400" b="1">
                 <a:solidFill>
                   <a:srgbClr val="273043"/>
                 </a:solidFill>
@@ -7979,7 +9202,7 @@
               <a:t>이를 이용하여 게임의 미래 진행 상황을 예측해보는 건 어떨까</a:t>
             </a:r>
             <a:r>
-              <a:rPr lang="en-US" altLang="ko-KR" sz="3200" b="1" smtClean="0">
+              <a:rPr lang="en-US" altLang="ko-KR" sz="3200" b="1">
                 <a:solidFill>
                   <a:srgbClr val="273043"/>
                 </a:solidFill>
@@ -8004,13 +9227,6 @@
   <p:clrMapOvr>
     <a:masterClrMapping/>
   </p:clrMapOvr>
-  <p:timing>
-    <p:tnLst>
-      <p:par>
-        <p:cTn id="1" dur="indefinite" restart="never" nodeType="tmRoot"/>
-      </p:par>
-    </p:tnLst>
-  </p:timing>
 </p:sld>
 </file>
 
@@ -8126,7 +9342,7 @@
             <a:lstStyle/>
             <a:p>
               <a:r>
-                <a:rPr lang="en-US" altLang="ko-KR" sz="3200" b="1" smtClean="0">
+                <a:rPr lang="en-US" altLang="ko-KR" sz="3200" b="1">
                   <a:solidFill>
                     <a:srgbClr val="BAE8E8"/>
                   </a:solidFill>
@@ -8165,7 +9381,7 @@
           <a:lstStyle/>
           <a:p>
             <a:r>
-              <a:rPr lang="en-US" altLang="ko-KR" smtClean="0">
+              <a:rPr lang="en-US" altLang="ko-KR">
                 <a:solidFill>
                   <a:srgbClr val="BAE8E8"/>
                 </a:solidFill>
@@ -8418,7 +9634,7 @@
             <a:p>
               <a:pPr algn="ctr"/>
               <a:r>
-                <a:rPr lang="en-US" altLang="ko-KR" sz="1400" smtClean="0">
+                <a:rPr lang="en-US" altLang="ko-KR" sz="1400">
                   <a:solidFill>
                     <a:srgbClr val="E3F6F5"/>
                   </a:solidFill>
@@ -8457,7 +9673,7 @@
             <a:p>
               <a:pPr algn="ctr"/>
               <a:r>
-                <a:rPr lang="en-US" altLang="ko-KR" sz="1400" smtClean="0">
+                <a:rPr lang="en-US" altLang="ko-KR" sz="1400">
                   <a:solidFill>
                     <a:srgbClr val="E3F6F5"/>
                   </a:solidFill>
@@ -8616,7 +9832,7 @@
             <a:p>
               <a:pPr algn="ctr"/>
               <a:r>
-                <a:rPr lang="en-US" altLang="ko-KR" sz="1400" smtClean="0">
+                <a:rPr lang="en-US" altLang="ko-KR" sz="1400">
                   <a:solidFill>
                     <a:srgbClr val="E3F6F5"/>
                   </a:solidFill>
@@ -8654,7 +9870,7 @@
             <a:lstStyle/>
             <a:p>
               <a:r>
-                <a:rPr lang="ko-KR" altLang="en-US" sz="1200" smtClean="0">
+                <a:rPr lang="ko-KR" altLang="en-US" sz="1200">
                   <a:solidFill>
                     <a:srgbClr val="BAE8E8"/>
                   </a:solidFill>
@@ -8662,7 +9878,7 @@
                 <a:t>초기 게임</a:t>
               </a:r>
               <a:r>
-                <a:rPr lang="en-US" altLang="ko-KR" sz="1200" smtClean="0">
+                <a:rPr lang="en-US" altLang="ko-KR" sz="1200">
                   <a:solidFill>
                     <a:srgbClr val="BAE8E8"/>
                   </a:solidFill>
@@ -8670,18 +9886,13 @@
                 <a:t>(&lt;10min)</a:t>
               </a:r>
               <a:r>
-                <a:rPr lang="ko-KR" altLang="en-US" sz="1200" smtClean="0">
+                <a:rPr lang="ko-KR" altLang="en-US" sz="1200">
                   <a:solidFill>
                     <a:srgbClr val="BAE8E8"/>
                   </a:solidFill>
                 </a:rPr>
                 <a:t> 내용 측정값</a:t>
               </a:r>
-              <a:endParaRPr lang="ko-KR" altLang="en-US" sz="1200">
-                <a:solidFill>
-                  <a:srgbClr val="BAE8E8"/>
-                </a:solidFill>
-              </a:endParaRPr>
             </a:p>
           </p:txBody>
         </p:sp>
@@ -8709,18 +9920,13 @@
             <a:p>
               <a:pPr algn="ctr"/>
               <a:r>
-                <a:rPr lang="ko-KR" altLang="en-US" sz="1400" smtClean="0">
+                <a:rPr lang="ko-KR" altLang="en-US" sz="1400">
                   <a:solidFill>
                     <a:srgbClr val="BAE8E8"/>
                   </a:solidFill>
                 </a:rPr>
                 <a:t>결과 함수를 형성하기 위해 유저가 선택한 변수들</a:t>
               </a:r>
-              <a:endParaRPr lang="ko-KR" altLang="en-US" sz="1400">
-                <a:solidFill>
-                  <a:srgbClr val="BAE8E8"/>
-                </a:solidFill>
-              </a:endParaRPr>
             </a:p>
           </p:txBody>
         </p:sp>
@@ -8821,7 +10027,7 @@
             <a:p>
               <a:pPr algn="ctr"/>
               <a:r>
-                <a:rPr lang="en-US" altLang="ko-KR" sz="1600" b="1" smtClean="0">
+                <a:rPr lang="en-US" altLang="ko-KR" sz="1600" b="1">
                   <a:solidFill>
                     <a:srgbClr val="E3F6F5"/>
                   </a:solidFill>
@@ -8859,7 +10065,7 @@
             <a:lstStyle/>
             <a:p>
               <a:r>
-                <a:rPr lang="en-US" altLang="ko-KR" sz="1400" smtClean="0">
+                <a:rPr lang="en-US" altLang="ko-KR" sz="1400">
                   <a:solidFill>
                     <a:srgbClr val="BAE8E8"/>
                   </a:solidFill>
@@ -8870,7 +10076,7 @@
             <a:p>
               <a:pPr algn="r"/>
               <a:r>
-                <a:rPr lang="en-US" altLang="ko-KR" sz="1400" smtClean="0">
+                <a:rPr lang="en-US" altLang="ko-KR" sz="1400">
                   <a:solidFill>
                     <a:srgbClr val="BAE8E8"/>
                   </a:solidFill>
@@ -8878,7 +10084,7 @@
                 <a:t>= </a:t>
               </a:r>
               <a:r>
-                <a:rPr lang="en-US" altLang="ko-KR" sz="1400" smtClean="0">
+                <a:rPr lang="en-US" altLang="ko-KR" sz="1400">
                   <a:solidFill>
                     <a:srgbClr val="E3F6F5"/>
                   </a:solidFill>
@@ -8904,13 +10110,6 @@
   <p:clrMapOvr>
     <a:masterClrMapping/>
   </p:clrMapOvr>
-  <p:timing>
-    <p:tnLst>
-      <p:par>
-        <p:cTn id="1" dur="indefinite" restart="never" nodeType="tmRoot"/>
-      </p:par>
-    </p:tnLst>
-  </p:timing>
 </p:sld>
 </file>
 
@@ -9026,7 +10225,7 @@
             <a:lstStyle/>
             <a:p>
               <a:r>
-                <a:rPr lang="en-US" altLang="ko-KR" sz="3200" b="1" smtClean="0">
+                <a:rPr lang="en-US" altLang="ko-KR" sz="3200" b="1">
                   <a:solidFill>
                     <a:srgbClr val="BAE8E8"/>
                   </a:solidFill>
@@ -9065,7 +10264,7 @@
           <a:lstStyle/>
           <a:p>
             <a:r>
-              <a:rPr lang="en-US" altLang="ko-KR" smtClean="0">
+              <a:rPr lang="en-US" altLang="ko-KR">
                 <a:solidFill>
                   <a:srgbClr val="BAE8E8"/>
                 </a:solidFill>
@@ -9213,12 +10412,20 @@
             <a:lstStyle/>
             <a:p>
               <a:r>
-                <a:rPr lang="en-US" altLang="ko-KR" sz="1600" dirty="0" smtClean="0">
+                <a:rPr lang="en-US" altLang="ko-KR" sz="1600" dirty="0">
                   <a:solidFill>
                     <a:srgbClr val="BAE8E8"/>
                   </a:solidFill>
                 </a:rPr>
-                <a:t>1. </a:t>
+                <a:t>1. n</a:t>
+              </a:r>
+              <a:r>
+                <a:rPr lang="ko-KR" altLang="en-US" sz="1600" dirty="0">
+                  <a:solidFill>
+                    <a:srgbClr val="BAE8E8"/>
+                  </a:solidFill>
+                </a:rPr>
+                <a:t>개의 독립 변수를 가진 </a:t>
               </a:r>
               <a:r>
                 <a:rPr lang="en-US" altLang="ko-KR" sz="1600" dirty="0">
@@ -9226,34 +10433,10 @@
                     <a:srgbClr val="BAE8E8"/>
                   </a:solidFill>
                 </a:rPr>
-                <a:t>n</a:t>
-              </a:r>
-              <a:r>
-                <a:rPr lang="ko-KR" altLang="en-US" sz="1600" dirty="0" smtClean="0">
-                  <a:solidFill>
-                    <a:srgbClr val="BAE8E8"/>
-                  </a:solidFill>
-                </a:rPr>
-                <a:t>개의 </a:t>
-              </a:r>
-              <a:r>
-                <a:rPr lang="ko-KR" altLang="en-US" sz="1600" dirty="0" smtClean="0">
-                  <a:solidFill>
-                    <a:srgbClr val="BAE8E8"/>
-                  </a:solidFill>
-                </a:rPr>
-                <a:t>독립 변수를 가진 </a:t>
-              </a:r>
-              <a:r>
-                <a:rPr lang="en-US" altLang="ko-KR" sz="1600" dirty="0" smtClean="0">
-                  <a:solidFill>
-                    <a:srgbClr val="BAE8E8"/>
-                  </a:solidFill>
-                </a:rPr>
                 <a:t>N </a:t>
               </a:r>
               <a:r>
-                <a:rPr lang="ko-KR" altLang="en-US" sz="1600" dirty="0" smtClean="0">
+                <a:rPr lang="ko-KR" altLang="en-US" sz="1600" dirty="0">
                   <a:solidFill>
                     <a:srgbClr val="BAE8E8"/>
                   </a:solidFill>
@@ -9261,7 +10444,7 @@
                 <a:t>크기의 데이터의 </a:t>
               </a:r>
               <a:r>
-                <a:rPr lang="en-US" altLang="ko-KR" sz="1600" dirty="0" smtClean="0">
+                <a:rPr lang="en-US" altLang="ko-KR" sz="1600" dirty="0">
                   <a:solidFill>
                     <a:srgbClr val="BAE8E8"/>
                   </a:solidFill>
@@ -9269,7 +10452,7 @@
                 <a:t>Multiple Regression</a:t>
               </a:r>
               <a:r>
-                <a:rPr lang="ko-KR" altLang="en-US" sz="1600" dirty="0" smtClean="0">
+                <a:rPr lang="ko-KR" altLang="en-US" sz="1600" dirty="0">
                   <a:solidFill>
                     <a:srgbClr val="BAE8E8"/>
                   </a:solidFill>
@@ -9277,7 +10460,7 @@
                 <a:t>은 아래와 같이 표현될 수 있다</a:t>
               </a:r>
               <a:r>
-                <a:rPr lang="en-US" altLang="ko-KR" sz="1600" dirty="0" smtClean="0">
+                <a:rPr lang="en-US" altLang="ko-KR" sz="1600" dirty="0">
                   <a:solidFill>
                     <a:srgbClr val="BAE8E8"/>
                   </a:solidFill>
@@ -9315,7 +10498,7 @@
             <a:lstStyle/>
             <a:p>
               <a:r>
-                <a:rPr lang="en-US" altLang="ko-KR" sz="1600" smtClean="0">
+                <a:rPr lang="en-US" altLang="ko-KR" sz="1600">
                   <a:solidFill>
                     <a:srgbClr val="BAE8E8"/>
                   </a:solidFill>
@@ -9323,7 +10506,7 @@
                 <a:t>2. </a:t>
               </a:r>
               <a:r>
-                <a:rPr lang="ko-KR" altLang="en-US" sz="1600" smtClean="0">
+                <a:rPr lang="ko-KR" altLang="en-US" sz="1600">
                   <a:solidFill>
                     <a:srgbClr val="BAE8E8"/>
                   </a:solidFill>
@@ -9331,7 +10514,7 @@
                 <a:t>그리고 </a:t>
               </a:r>
               <a:r>
-                <a:rPr lang="en-US" altLang="ko-KR" sz="1600" smtClean="0">
+                <a:rPr lang="en-US" altLang="ko-KR" sz="1600">
                   <a:solidFill>
                     <a:srgbClr val="BAE8E8"/>
                   </a:solidFill>
@@ -9339,7 +10522,7 @@
                 <a:t>Multiple Regression</a:t>
               </a:r>
               <a:r>
-                <a:rPr lang="ko-KR" altLang="en-US" sz="1600" smtClean="0">
+                <a:rPr lang="ko-KR" altLang="en-US" sz="1600">
                   <a:solidFill>
                     <a:srgbClr val="BAE8E8"/>
                   </a:solidFill>
@@ -9347,7 +10530,7 @@
                 <a:t>을 위한 오차값은 아래와 같이  정의할 수 있다</a:t>
               </a:r>
               <a:r>
-                <a:rPr lang="en-US" altLang="ko-KR" sz="1600" smtClean="0">
+                <a:rPr lang="en-US" altLang="ko-KR" sz="1600">
                   <a:solidFill>
                     <a:srgbClr val="BAE8E8"/>
                   </a:solidFill>
@@ -9373,13 +10556,6 @@
   <p:clrMapOvr>
     <a:masterClrMapping/>
   </p:clrMapOvr>
-  <p:timing>
-    <p:tnLst>
-      <p:par>
-        <p:cTn id="1" dur="indefinite" restart="never" nodeType="tmRoot"/>
-      </p:par>
-    </p:tnLst>
-  </p:timing>
 </p:sld>
 </file>
 
@@ -9495,7 +10671,7 @@
             <a:lstStyle/>
             <a:p>
               <a:r>
-                <a:rPr lang="en-US" altLang="ko-KR" sz="3200" b="1" smtClean="0">
+                <a:rPr lang="en-US" altLang="ko-KR" sz="3200" b="1">
                   <a:solidFill>
                     <a:srgbClr val="BAE8E8"/>
                   </a:solidFill>
@@ -9534,7 +10710,7 @@
           <a:lstStyle/>
           <a:p>
             <a:r>
-              <a:rPr lang="en-US" altLang="ko-KR" smtClean="0">
+              <a:rPr lang="en-US" altLang="ko-KR">
                 <a:solidFill>
                   <a:srgbClr val="BAE8E8"/>
                 </a:solidFill>
@@ -9596,7 +10772,7 @@
           <a:lstStyle/>
           <a:p>
             <a:r>
-              <a:rPr lang="en-US" altLang="ko-KR" sz="1600" smtClean="0">
+              <a:rPr lang="en-US" altLang="ko-KR" sz="1600">
                 <a:solidFill>
                   <a:srgbClr val="BAE8E8"/>
                 </a:solidFill>
@@ -9604,7 +10780,7 @@
               <a:t>3. 2.</a:t>
             </a:r>
             <a:r>
-              <a:rPr lang="ko-KR" altLang="en-US" sz="1600" smtClean="0">
+              <a:rPr lang="ko-KR" altLang="en-US" sz="1600">
                 <a:solidFill>
                   <a:srgbClr val="BAE8E8"/>
                 </a:solidFill>
@@ -9612,7 +10788,7 @@
               <a:t>에서 소개된 공식은 아래 행렬로 표현할 수 있다</a:t>
             </a:r>
             <a:r>
-              <a:rPr lang="en-US" altLang="ko-KR" sz="1600" smtClean="0">
+              <a:rPr lang="en-US" altLang="ko-KR" sz="1600">
                 <a:solidFill>
                   <a:srgbClr val="BAE8E8"/>
                 </a:solidFill>
@@ -9651,7 +10827,7 @@
           <a:p>
             <a:pPr algn="ctr"/>
             <a:r>
-              <a:rPr lang="ko-KR" altLang="en-US" smtClean="0">
+              <a:rPr lang="ko-KR" altLang="en-US">
                 <a:solidFill>
                   <a:srgbClr val="BAE8E8"/>
                 </a:solidFill>
@@ -9659,7 +10835,7 @@
               <a:t>해당 행렬을</a:t>
             </a:r>
             <a:r>
-              <a:rPr lang="en-US" altLang="ko-KR" smtClean="0">
+              <a:rPr lang="en-US" altLang="ko-KR">
                 <a:solidFill>
                   <a:srgbClr val="BAE8E8"/>
                 </a:solidFill>
@@ -9667,7 +10843,7 @@
               <a:t> </a:t>
             </a:r>
             <a:r>
-              <a:rPr lang="en-US" altLang="ko-KR" smtClean="0">
+              <a:rPr lang="en-US" altLang="ko-KR">
                 <a:solidFill>
                   <a:srgbClr val="E3F6F5"/>
                 </a:solidFill>
@@ -9675,7 +10851,7 @@
               <a:t>Partial Pivoting &amp; Gaussian Elimination</a:t>
             </a:r>
             <a:r>
-              <a:rPr lang="en-US" altLang="ko-KR" smtClean="0">
+              <a:rPr lang="en-US" altLang="ko-KR">
                 <a:solidFill>
                   <a:srgbClr val="BAE8E8"/>
                 </a:solidFill>
@@ -9683,7 +10859,7 @@
               <a:t>   </a:t>
             </a:r>
             <a:r>
-              <a:rPr lang="ko-KR" altLang="en-US" smtClean="0">
+              <a:rPr lang="ko-KR" altLang="en-US">
                 <a:solidFill>
                   <a:srgbClr val="BAE8E8"/>
                 </a:solidFill>
@@ -9691,7 +10867,7 @@
               <a:t>으로 풀이하여 </a:t>
             </a:r>
             <a:r>
-              <a:rPr lang="ko-KR" altLang="en-US" smtClean="0">
+              <a:rPr lang="ko-KR" altLang="en-US">
                 <a:solidFill>
                   <a:srgbClr val="E3F6F5"/>
                 </a:solidFill>
@@ -9699,7 +10875,7 @@
               <a:t>결과 함수의 계수</a:t>
             </a:r>
             <a:r>
-              <a:rPr lang="ko-KR" altLang="en-US" smtClean="0">
+              <a:rPr lang="ko-KR" altLang="en-US">
                 <a:solidFill>
                   <a:srgbClr val="BAE8E8"/>
                 </a:solidFill>
@@ -9707,7 +10883,7 @@
               <a:t>들을 구할 수 있다</a:t>
             </a:r>
             <a:r>
-              <a:rPr lang="en-US" altLang="ko-KR" smtClean="0">
+              <a:rPr lang="en-US" altLang="ko-KR">
                 <a:solidFill>
                   <a:srgbClr val="BAE8E8"/>
                 </a:solidFill>
@@ -9756,13 +10932,6 @@
   <p:clrMapOvr>
     <a:masterClrMapping/>
   </p:clrMapOvr>
-  <p:timing>
-    <p:tnLst>
-      <p:par>
-        <p:cTn id="1" dur="indefinite" restart="never" nodeType="tmRoot"/>
-      </p:par>
-    </p:tnLst>
-  </p:timing>
 </p:sld>
 </file>
 
@@ -9878,7 +11047,7 @@
             <a:lstStyle/>
             <a:p>
               <a:r>
-                <a:rPr lang="en-US" altLang="ko-KR" sz="3200" b="1" smtClean="0">
+                <a:rPr lang="en-US" altLang="ko-KR" sz="3200" b="1">
                   <a:solidFill>
                     <a:srgbClr val="BAE8E8"/>
                   </a:solidFill>
@@ -9917,7 +11086,7 @@
           <a:lstStyle/>
           <a:p>
             <a:r>
-              <a:rPr lang="en-US" altLang="ko-KR" smtClean="0">
+              <a:rPr lang="en-US" altLang="ko-KR">
                 <a:solidFill>
                   <a:srgbClr val="BAE8E8"/>
                 </a:solidFill>
@@ -9960,54 +11129,15 @@
                   <a:srgbClr val="BAE8E8"/>
                 </a:solidFill>
               </a:rPr>
-              <a:t>∑연산의 </a:t>
-            </a:r>
-            <a:r>
-              <a:rPr lang="ko-KR" altLang="en-US" sz="2000" dirty="0" smtClean="0">
-                <a:solidFill>
-                  <a:srgbClr val="BAE8E8"/>
-                </a:solidFill>
-              </a:rPr>
-              <a:t>특징</a:t>
-            </a:r>
-            <a:endParaRPr lang="en-US" altLang="ko-KR" sz="2000" dirty="0" smtClean="0">
+              <a:t>∑연산의 특징</a:t>
+            </a:r>
+            <a:endParaRPr lang="en-US" altLang="ko-KR" sz="2000" dirty="0">
               <a:solidFill>
                 <a:srgbClr val="BAE8E8"/>
               </a:solidFill>
             </a:endParaRPr>
           </a:p>
           <a:p>
-            <a:endParaRPr lang="en-US" altLang="ko-KR" dirty="0" smtClean="0">
-              <a:solidFill>
-                <a:srgbClr val="BAE8E8"/>
-              </a:solidFill>
-            </a:endParaRPr>
-          </a:p>
-          <a:p>
-            <a:r>
-              <a:rPr lang="en-US" altLang="ko-KR" dirty="0" smtClean="0">
-                <a:solidFill>
-                  <a:srgbClr val="BAE8E8"/>
-                </a:solidFill>
-              </a:rPr>
-              <a:t>- </a:t>
-            </a:r>
-            <a:r>
-              <a:rPr lang="ko-KR" altLang="en-US" dirty="0" smtClean="0">
-                <a:solidFill>
-                  <a:srgbClr val="BAE8E8"/>
-                </a:solidFill>
-              </a:rPr>
-              <a:t>모든 데이터를 순회하여 한 곳에 더한다</a:t>
-            </a:r>
-            <a:r>
-              <a:rPr lang="en-US" altLang="ko-KR" dirty="0" smtClean="0">
-                <a:solidFill>
-                  <a:srgbClr val="BAE8E8"/>
-                </a:solidFill>
-              </a:rPr>
-              <a:t>.</a:t>
-            </a:r>
             <a:endParaRPr lang="en-US" altLang="ko-KR" dirty="0">
               <a:solidFill>
                 <a:srgbClr val="BAE8E8"/>
@@ -10016,7 +11146,7 @@
           </a:p>
           <a:p>
             <a:r>
-              <a:rPr lang="en-US" altLang="ko-KR" dirty="0" smtClean="0">
+              <a:rPr lang="en-US" altLang="ko-KR" dirty="0">
                 <a:solidFill>
                   <a:srgbClr val="BAE8E8"/>
                 </a:solidFill>
@@ -10024,7 +11154,33 @@
               <a:t>- </a:t>
             </a:r>
             <a:r>
-              <a:rPr lang="ko-KR" altLang="en-US" dirty="0" smtClean="0">
+              <a:rPr lang="ko-KR" altLang="en-US" dirty="0">
+                <a:solidFill>
+                  <a:srgbClr val="BAE8E8"/>
+                </a:solidFill>
+              </a:rPr>
+              <a:t>모든 데이터를 순회하여 한 곳에 더한다</a:t>
+            </a:r>
+            <a:r>
+              <a:rPr lang="en-US" altLang="ko-KR" dirty="0">
+                <a:solidFill>
+                  <a:srgbClr val="BAE8E8"/>
+                </a:solidFill>
+              </a:rPr>
+              <a:t>.</a:t>
+            </a:r>
+          </a:p>
+          <a:p>
+            <a:r>
+              <a:rPr lang="en-US" altLang="ko-KR" dirty="0">
+                <a:solidFill>
+                  <a:srgbClr val="BAE8E8"/>
+                </a:solidFill>
+              </a:rPr>
+              <a:t>- </a:t>
+            </a:r>
+            <a:r>
+              <a:rPr lang="ko-KR" altLang="en-US" dirty="0">
                 <a:solidFill>
                   <a:srgbClr val="BAE8E8"/>
                 </a:solidFill>
@@ -10032,12 +11188,62 @@
               <a:t>모든 구간에서 연산의 양이 동일하다</a:t>
             </a:r>
             <a:r>
-              <a:rPr lang="en-US" altLang="ko-KR" dirty="0" smtClean="0">
+              <a:rPr lang="en-US" altLang="ko-KR" dirty="0">
                 <a:solidFill>
                   <a:srgbClr val="BAE8E8"/>
                 </a:solidFill>
               </a:rPr>
               <a:t>.</a:t>
+            </a:r>
+          </a:p>
+          <a:p>
+            <a:r>
+              <a:rPr lang="en-US" altLang="ko-KR" sz="3200" dirty="0">
+                <a:solidFill>
+                  <a:srgbClr val="BAE8E8"/>
+                </a:solidFill>
+              </a:rPr>
+              <a:t>∴ </a:t>
+            </a:r>
+            <a:r>
+              <a:rPr lang="en-US" altLang="ko-KR" dirty="0" err="1">
+                <a:solidFill>
+                  <a:srgbClr val="BAE8E8"/>
+                </a:solidFill>
+              </a:rPr>
+              <a:t>OpenMP</a:t>
+            </a:r>
+            <a:r>
+              <a:rPr lang="en-US" altLang="ko-KR" dirty="0">
+                <a:solidFill>
+                  <a:srgbClr val="BAE8E8"/>
+                </a:solidFill>
+              </a:rPr>
+              <a:t> for </a:t>
+            </a:r>
+            <a:r>
+              <a:rPr lang="ko-KR" altLang="en-US" dirty="0">
+                <a:solidFill>
+                  <a:srgbClr val="BAE8E8"/>
+                </a:solidFill>
+              </a:rPr>
+              <a:t>구문과 </a:t>
+            </a:r>
+            <a:r>
+              <a:rPr lang="en-US" altLang="ko-KR" dirty="0">
+                <a:solidFill>
+                  <a:srgbClr val="BAE8E8"/>
+                </a:solidFill>
+              </a:rPr>
+              <a:t>reduction clause </a:t>
+            </a:r>
+            <a:r>
+              <a:rPr lang="ko-KR" altLang="en-US" dirty="0">
+                <a:solidFill>
+                  <a:srgbClr val="BAE8E8"/>
+                </a:solidFill>
+              </a:rPr>
+              <a:t>사용</a:t>
             </a:r>
             <a:endParaRPr lang="en-US" altLang="ko-KR" dirty="0">
               <a:solidFill>
@@ -10047,62 +11253,7 @@
           </a:p>
           <a:p>
             <a:r>
-              <a:rPr lang="en-US" altLang="ko-KR" sz="3200" dirty="0" smtClean="0">
-                <a:solidFill>
-                  <a:srgbClr val="BAE8E8"/>
-                </a:solidFill>
-              </a:rPr>
-              <a:t>∴ </a:t>
-            </a:r>
-            <a:r>
-              <a:rPr lang="en-US" altLang="ko-KR" dirty="0" err="1" smtClean="0">
-                <a:solidFill>
-                  <a:srgbClr val="BAE8E8"/>
-                </a:solidFill>
-              </a:rPr>
-              <a:t>OpenMP</a:t>
-            </a:r>
-            <a:r>
-              <a:rPr lang="en-US" altLang="ko-KR" dirty="0" smtClean="0">
-                <a:solidFill>
-                  <a:srgbClr val="BAE8E8"/>
-                </a:solidFill>
-              </a:rPr>
-              <a:t> for </a:t>
-            </a:r>
-            <a:r>
-              <a:rPr lang="ko-KR" altLang="en-US" dirty="0" smtClean="0">
-                <a:solidFill>
-                  <a:srgbClr val="BAE8E8"/>
-                </a:solidFill>
-              </a:rPr>
-              <a:t>구문과 </a:t>
-            </a:r>
-            <a:r>
-              <a:rPr lang="en-US" altLang="ko-KR" dirty="0" smtClean="0">
-                <a:solidFill>
-                  <a:srgbClr val="BAE8E8"/>
-                </a:solidFill>
-              </a:rPr>
-              <a:t>reduction clause </a:t>
-            </a:r>
-            <a:r>
-              <a:rPr lang="ko-KR" altLang="en-US" dirty="0" smtClean="0">
-                <a:solidFill>
-                  <a:srgbClr val="BAE8E8"/>
-                </a:solidFill>
-              </a:rPr>
-              <a:t>사용</a:t>
-            </a:r>
-            <a:endParaRPr lang="en-US" altLang="ko-KR" dirty="0" smtClean="0">
-              <a:solidFill>
-                <a:srgbClr val="BAE8E8"/>
-              </a:solidFill>
-            </a:endParaRPr>
-          </a:p>
-          <a:p>
-            <a:r>
-              <a:rPr lang="en-US" altLang="ko-KR" dirty="0" smtClean="0">
+              <a:rPr lang="en-US" altLang="ko-KR" dirty="0">
                 <a:solidFill>
                   <a:srgbClr val="BAE8E8"/>
                 </a:solidFill>
@@ -10110,20 +11261,13 @@
               <a:t>schedule clause</a:t>
             </a:r>
             <a:r>
-              <a:rPr lang="ko-KR" altLang="en-US" dirty="0" smtClean="0">
+              <a:rPr lang="ko-KR" altLang="en-US" dirty="0">
                 <a:solidFill>
                   <a:srgbClr val="BAE8E8"/>
                 </a:solidFill>
               </a:rPr>
               <a:t>는 사용하지 않음</a:t>
             </a:r>
-            <a:endParaRPr lang="en-US" altLang="ko-KR" dirty="0" smtClean="0">
-              <a:solidFill>
-                <a:srgbClr val="BAE8E8"/>
-              </a:solidFill>
-            </a:endParaRPr>
-          </a:p>
-          <a:p>
             <a:endParaRPr lang="en-US" altLang="ko-KR" dirty="0">
               <a:solidFill>
                 <a:srgbClr val="BAE8E8"/>
@@ -10131,15 +11275,7 @@
             </a:endParaRPr>
           </a:p>
           <a:p>
-            <a:r>
-              <a:rPr lang="ko-KR" altLang="en-US" dirty="0" smtClean="0">
-                <a:solidFill>
-                  <a:srgbClr val="BAE8E8"/>
-                </a:solidFill>
-              </a:rPr>
-              <a:t>데이터 종속성이 없는 부분 끼리  </a:t>
-            </a:r>
-            <a:endParaRPr lang="en-US" altLang="ko-KR" dirty="0" smtClean="0">
+            <a:endParaRPr lang="en-US" altLang="ko-KR" dirty="0">
               <a:solidFill>
                 <a:srgbClr val="BAE8E8"/>
               </a:solidFill>
@@ -10147,14 +11283,29 @@
           </a:p>
           <a:p>
             <a:r>
-              <a:rPr lang="ko-KR" altLang="en-US" dirty="0" smtClean="0">
+              <a:rPr lang="ko-KR" altLang="en-US" dirty="0">
+                <a:solidFill>
+                  <a:srgbClr val="BAE8E8"/>
+                </a:solidFill>
+              </a:rPr>
+              <a:t>데이터 종속성이 없는 부분 끼리  </a:t>
+            </a:r>
+            <a:endParaRPr lang="en-US" altLang="ko-KR" dirty="0">
+              <a:solidFill>
+                <a:srgbClr val="BAE8E8"/>
+              </a:solidFill>
+            </a:endParaRPr>
+          </a:p>
+          <a:p>
+            <a:r>
+              <a:rPr lang="ko-KR" altLang="en-US" dirty="0">
                 <a:solidFill>
                   <a:srgbClr val="BAE8E8"/>
                 </a:solidFill>
               </a:rPr>
               <a:t>최대한 동시에 진행</a:t>
             </a:r>
-            <a:endParaRPr lang="en-US" altLang="ko-KR" dirty="0" smtClean="0">
+            <a:endParaRPr lang="en-US" altLang="ko-KR" dirty="0">
               <a:solidFill>
                 <a:srgbClr val="BAE8E8"/>
               </a:solidFill>
@@ -10196,13 +11347,6 @@
   <p:clrMapOvr>
     <a:masterClrMapping/>
   </p:clrMapOvr>
-  <p:timing>
-    <p:tnLst>
-      <p:par>
-        <p:cTn id="1" dur="indefinite" restart="never" nodeType="tmRoot"/>
-      </p:par>
-    </p:tnLst>
-  </p:timing>
 </p:sld>
 </file>
 
@@ -10364,7 +11508,7 @@
                 <a:defRPr/>
               </a:pPr>
               <a:r>
-                <a:rPr kumimoji="0" lang="en-US" altLang="ko-KR" sz="3200" b="1" i="0" u="none" strike="noStrike" kern="1200" cap="none" spc="0" normalizeH="0" baseline="0" noProof="0" smtClean="0">
+                <a:rPr kumimoji="0" lang="en-US" altLang="ko-KR" sz="3200" b="1" i="0" u="none" strike="noStrike" kern="1200" cap="none" spc="0" normalizeH="0" baseline="0" noProof="0">
                   <a:ln>
                     <a:noFill/>
                   </a:ln>
@@ -10438,7 +11582,7 @@
               <a:defRPr/>
             </a:pPr>
             <a:r>
-              <a:rPr kumimoji="0" lang="en-US" altLang="ko-KR" sz="1800" b="0" i="0" u="none" strike="noStrike" kern="1200" cap="none" spc="0" normalizeH="0" baseline="0" noProof="0" smtClean="0">
+              <a:rPr kumimoji="0" lang="en-US" altLang="ko-KR" sz="1800" b="0" i="0" u="none" strike="noStrike" kern="1200" cap="none" spc="0" normalizeH="0" baseline="0" noProof="0">
                 <a:ln>
                   <a:noFill/>
                 </a:ln>
@@ -10511,7 +11655,7 @@
               <a:defRPr/>
             </a:pPr>
             <a:r>
-              <a:rPr kumimoji="0" lang="ko-KR" altLang="en-US" sz="1800" b="0" i="0" u="none" strike="noStrike" kern="1200" cap="none" spc="0" normalizeH="0" baseline="0" noProof="0" dirty="0" smtClean="0">
+              <a:rPr kumimoji="0" lang="ko-KR" altLang="en-US" sz="1800" b="0" i="0" u="none" strike="noStrike" kern="1200" cap="none" spc="0" normalizeH="0" baseline="0" noProof="0" dirty="0">
                 <a:ln>
                   <a:noFill/>
                 </a:ln>
@@ -10527,7 +11671,7 @@
               </a:rPr>
               <a:t>배열 데이터 수정에서 발생할 수 있는 </a:t>
             </a:r>
-            <a:endParaRPr kumimoji="0" lang="en-US" altLang="ko-KR" sz="1800" b="0" i="0" u="none" strike="noStrike" kern="1200" cap="none" spc="0" normalizeH="0" baseline="0" noProof="0" dirty="0" smtClean="0">
+            <a:endParaRPr kumimoji="0" lang="en-US" altLang="ko-KR" sz="1800" b="0" i="0" u="none" strike="noStrike" kern="1200" cap="none" spc="0" normalizeH="0" baseline="0" noProof="0" dirty="0">
               <a:ln>
                 <a:noFill/>
               </a:ln>
@@ -10561,7 +11705,7 @@
               <a:defRPr/>
             </a:pPr>
             <a:r>
-              <a:rPr kumimoji="0" lang="en-US" altLang="ko-KR" sz="1800" b="0" i="0" u="none" strike="noStrike" kern="1200" cap="none" spc="0" normalizeH="0" baseline="0" noProof="0" dirty="0" smtClean="0">
+              <a:rPr kumimoji="0" lang="en-US" altLang="ko-KR" sz="1800" b="0" i="0" u="none" strike="noStrike" kern="1200" cap="none" spc="0" normalizeH="0" baseline="0" noProof="0" dirty="0">
                 <a:ln>
                   <a:noFill/>
                 </a:ln>
@@ -10578,7 +11722,7 @@
               <a:t>Cache coherency </a:t>
             </a:r>
             <a:r>
-              <a:rPr kumimoji="0" lang="ko-KR" altLang="en-US" sz="1800" b="0" i="0" u="none" strike="noStrike" kern="1200" cap="none" spc="0" normalizeH="0" baseline="0" noProof="0" dirty="0" smtClean="0">
+              <a:rPr kumimoji="0" lang="ko-KR" altLang="en-US" sz="1800" b="0" i="0" u="none" strike="noStrike" kern="1200" cap="none" spc="0" normalizeH="0" baseline="0" noProof="0" dirty="0">
                 <a:ln>
                   <a:noFill/>
                 </a:ln>
@@ -10594,7 +11738,7 @@
               </a:rPr>
               <a:t>문제를 최소화 하기 위해</a:t>
             </a:r>
-            <a:endParaRPr kumimoji="0" lang="en-US" altLang="ko-KR" sz="1800" b="0" i="0" u="none" strike="noStrike" kern="1200" cap="none" spc="0" normalizeH="0" baseline="0" noProof="0" dirty="0" smtClean="0">
+            <a:endParaRPr kumimoji="0" lang="en-US" altLang="ko-KR" sz="1800" b="0" i="0" u="none" strike="noStrike" kern="1200" cap="none" spc="0" normalizeH="0" baseline="0" noProof="0" dirty="0">
               <a:ln>
                 <a:noFill/>
               </a:ln>
@@ -10628,7 +11772,7 @@
               <a:defRPr/>
             </a:pPr>
             <a:r>
-              <a:rPr lang="ko-KR" altLang="en-US" dirty="0" smtClean="0">
+              <a:rPr lang="ko-KR" altLang="en-US" dirty="0">
                 <a:solidFill>
                   <a:srgbClr val="BAE8E8"/>
                 </a:solidFill>
@@ -10637,7 +11781,7 @@
               </a:rPr>
               <a:t>데이터 밀도 낮춤</a:t>
             </a:r>
-            <a:endParaRPr kumimoji="0" lang="en-US" altLang="ko-KR" sz="1800" b="0" i="0" u="none" strike="noStrike" kern="1200" cap="none" spc="0" normalizeH="0" baseline="0" noProof="0" dirty="0" smtClean="0">
+            <a:endParaRPr kumimoji="0" lang="en-US" altLang="ko-KR" sz="1800" b="0" i="0" u="none" strike="noStrike" kern="1200" cap="none" spc="0" normalizeH="0" baseline="0" noProof="0" dirty="0">
               <a:ln>
                 <a:noFill/>
               </a:ln>
@@ -10807,7 +11951,7 @@
                     <a:p>
                       <a:pPr latinLnBrk="1"/>
                       <a:r>
-                        <a:rPr lang="en-US" altLang="ko-KR" sz="2300" dirty="0" smtClean="0">
+                        <a:rPr lang="en-US" altLang="ko-KR" sz="2300" dirty="0">
                           <a:solidFill>
                             <a:srgbClr val="BAE8E8"/>
                           </a:solidFill>
@@ -11255,7 +12399,7 @@
                     <a:p>
                       <a:pPr latinLnBrk="1"/>
                       <a:r>
-                        <a:rPr lang="en-US" altLang="ko-KR" sz="2300" dirty="0" smtClean="0">
+                        <a:rPr lang="en-US" altLang="ko-KR" sz="2300" dirty="0">
                           <a:solidFill>
                             <a:srgbClr val="BAE8E8"/>
                           </a:solidFill>
@@ -11703,7 +12847,7 @@
                     <a:p>
                       <a:pPr latinLnBrk="1"/>
                       <a:r>
-                        <a:rPr lang="en-US" altLang="ko-KR" sz="2300" smtClean="0">
+                        <a:rPr lang="en-US" altLang="ko-KR" sz="2300">
                           <a:solidFill>
                             <a:srgbClr val="BAE8E8"/>
                           </a:solidFill>
@@ -11765,7 +12909,7 @@
                     <a:p>
                       <a:pPr latinLnBrk="1"/>
                       <a:r>
-                        <a:rPr lang="en-US" altLang="ko-KR" sz="2300" dirty="0" smtClean="0">
+                        <a:rPr lang="en-US" altLang="ko-KR" sz="2300" dirty="0">
                           <a:solidFill>
                             <a:srgbClr val="BAE8E8"/>
                           </a:solidFill>
@@ -12213,7 +13357,7 @@
                     <a:p>
                       <a:pPr latinLnBrk="1"/>
                       <a:r>
-                        <a:rPr lang="en-US" altLang="ko-KR" sz="2300" dirty="0" smtClean="0">
+                        <a:rPr lang="en-US" altLang="ko-KR" sz="2300" dirty="0">
                           <a:solidFill>
                             <a:srgbClr val="BAE8E8"/>
                           </a:solidFill>
@@ -12661,7 +13805,7 @@
                     <a:p>
                       <a:pPr latinLnBrk="1"/>
                       <a:r>
-                        <a:rPr lang="en-US" altLang="ko-KR" sz="2300" dirty="0" smtClean="0">
+                        <a:rPr lang="en-US" altLang="ko-KR" sz="2300" dirty="0">
                           <a:solidFill>
                             <a:srgbClr val="BAE8E8"/>
                           </a:solidFill>
@@ -12718,7 +13862,7 @@
                     <a:p>
                       <a:pPr latinLnBrk="1"/>
                       <a:r>
-                        <a:rPr lang="en-US" altLang="ko-KR" sz="2300" dirty="0" smtClean="0">
+                        <a:rPr lang="en-US" altLang="ko-KR" sz="2300" dirty="0">
                           <a:solidFill>
                             <a:srgbClr val="BAE8E8"/>
                           </a:solidFill>
@@ -12775,7 +13919,7 @@
                     <a:p>
                       <a:pPr latinLnBrk="1"/>
                       <a:r>
-                        <a:rPr lang="en-US" altLang="ko-KR" sz="2300" dirty="0" smtClean="0">
+                        <a:rPr lang="en-US" altLang="ko-KR" sz="2300" dirty="0">
                           <a:solidFill>
                             <a:srgbClr val="BAE8E8"/>
                           </a:solidFill>
@@ -12832,7 +13976,7 @@
                     <a:p>
                       <a:pPr latinLnBrk="1"/>
                       <a:r>
-                        <a:rPr lang="en-US" altLang="ko-KR" sz="2300" dirty="0" smtClean="0">
+                        <a:rPr lang="en-US" altLang="ko-KR" sz="2300" dirty="0">
                           <a:solidFill>
                             <a:srgbClr val="BAE8E8"/>
                           </a:solidFill>
@@ -12889,7 +14033,7 @@
                     <a:p>
                       <a:pPr latinLnBrk="1"/>
                       <a:r>
-                        <a:rPr lang="en-US" altLang="ko-KR" sz="2300" dirty="0" smtClean="0">
+                        <a:rPr lang="en-US" altLang="ko-KR" sz="2300" dirty="0">
                           <a:solidFill>
                             <a:srgbClr val="BAE8E8"/>
                           </a:solidFill>
@@ -12946,7 +14090,7 @@
                     <a:p>
                       <a:pPr latinLnBrk="1"/>
                       <a:r>
-                        <a:rPr lang="en-US" altLang="ko-KR" sz="2300" dirty="0" smtClean="0">
+                        <a:rPr lang="en-US" altLang="ko-KR" sz="2300" dirty="0">
                           <a:solidFill>
                             <a:srgbClr val="BAE8E8"/>
                           </a:solidFill>
@@ -13003,7 +14147,7 @@
                     <a:p>
                       <a:pPr latinLnBrk="1"/>
                       <a:r>
-                        <a:rPr lang="en-US" altLang="ko-KR" sz="2300" dirty="0" smtClean="0">
+                        <a:rPr lang="en-US" altLang="ko-KR" sz="2300" dirty="0">
                           <a:solidFill>
                             <a:srgbClr val="BAE8E8"/>
                           </a:solidFill>
@@ -13060,7 +14204,7 @@
                     <a:p>
                       <a:pPr latinLnBrk="1"/>
                       <a:r>
-                        <a:rPr lang="en-US" altLang="ko-KR" sz="2300" dirty="0" smtClean="0">
+                        <a:rPr lang="en-US" altLang="ko-KR" sz="2300" dirty="0">
                           <a:solidFill>
                             <a:srgbClr val="BAE8E8"/>
                           </a:solidFill>
@@ -13117,7 +14261,7 @@
                     <a:p>
                       <a:pPr latinLnBrk="1"/>
                       <a:r>
-                        <a:rPr lang="en-US" altLang="ko-KR" sz="2300" dirty="0" smtClean="0">
+                        <a:rPr lang="en-US" altLang="ko-KR" sz="2300" dirty="0">
                           <a:solidFill>
                             <a:srgbClr val="BAE8E8"/>
                           </a:solidFill>
@@ -13174,7 +14318,7 @@
                     <a:p>
                       <a:pPr latinLnBrk="1"/>
                       <a:r>
-                        <a:rPr lang="en-US" altLang="ko-KR" sz="2300" dirty="0" smtClean="0">
+                        <a:rPr lang="en-US" altLang="ko-KR" sz="2300" dirty="0">
                           <a:solidFill>
                             <a:srgbClr val="BAE8E8"/>
                           </a:solidFill>
@@ -13231,7 +14375,7 @@
                     <a:p>
                       <a:pPr latinLnBrk="1"/>
                       <a:r>
-                        <a:rPr lang="en-US" altLang="ko-KR" sz="2300" dirty="0" smtClean="0">
+                        <a:rPr lang="en-US" altLang="ko-KR" sz="2300" dirty="0">
                           <a:solidFill>
                             <a:srgbClr val="BAE8E8"/>
                           </a:solidFill>
@@ -13288,7 +14432,7 @@
                     <a:p>
                       <a:pPr latinLnBrk="1"/>
                       <a:r>
-                        <a:rPr lang="en-US" altLang="ko-KR" sz="2300" dirty="0" smtClean="0">
+                        <a:rPr lang="en-US" altLang="ko-KR" sz="2300" dirty="0">
                           <a:solidFill>
                             <a:srgbClr val="BAE8E8"/>
                           </a:solidFill>
@@ -13345,7 +14489,7 @@
                     <a:p>
                       <a:pPr latinLnBrk="1"/>
                       <a:r>
-                        <a:rPr lang="en-US" altLang="ko-KR" sz="2300" dirty="0" smtClean="0">
+                        <a:rPr lang="en-US" altLang="ko-KR" sz="2300" dirty="0">
                           <a:solidFill>
                             <a:srgbClr val="BAE8E8"/>
                           </a:solidFill>
@@ -13402,7 +14546,7 @@
                     <a:p>
                       <a:pPr latinLnBrk="1"/>
                       <a:r>
-                        <a:rPr lang="en-US" altLang="ko-KR" sz="2300" dirty="0" smtClean="0">
+                        <a:rPr lang="en-US" altLang="ko-KR" sz="2300" dirty="0">
                           <a:solidFill>
                             <a:srgbClr val="BAE8E8"/>
                           </a:solidFill>
@@ -13459,7 +14603,7 @@
                     <a:p>
                       <a:pPr latinLnBrk="1"/>
                       <a:r>
-                        <a:rPr lang="en-US" altLang="ko-KR" sz="2300" dirty="0" smtClean="0">
+                        <a:rPr lang="en-US" altLang="ko-KR" sz="2300" dirty="0">
                           <a:solidFill>
                             <a:srgbClr val="BAE8E8"/>
                           </a:solidFill>
@@ -13516,7 +14660,7 @@
                     <a:p>
                       <a:pPr latinLnBrk="1"/>
                       <a:r>
-                        <a:rPr lang="en-US" altLang="ko-KR" sz="2300" dirty="0" smtClean="0">
+                        <a:rPr lang="en-US" altLang="ko-KR" sz="2300" dirty="0">
                           <a:solidFill>
                             <a:srgbClr val="BAE8E8"/>
                           </a:solidFill>
@@ -13573,7 +14717,7 @@
                     <a:p>
                       <a:pPr latinLnBrk="1"/>
                       <a:r>
-                        <a:rPr lang="en-US" altLang="ko-KR" sz="2300" dirty="0" smtClean="0">
+                        <a:rPr lang="en-US" altLang="ko-KR" sz="2300" dirty="0">
                           <a:solidFill>
                             <a:srgbClr val="BAE8E8"/>
                           </a:solidFill>
@@ -13678,7 +14822,7 @@
                     <a:p>
                       <a:pPr latinLnBrk="1"/>
                       <a:r>
-                        <a:rPr lang="en-US" altLang="ko-KR" sz="2300" dirty="0" smtClean="0">
+                        <a:rPr lang="en-US" altLang="ko-KR" sz="2300" dirty="0">
                           <a:solidFill>
                             <a:srgbClr val="BAE8E8"/>
                           </a:solidFill>
@@ -14126,7 +15270,7 @@
                     <a:p>
                       <a:pPr latinLnBrk="1"/>
                       <a:r>
-                        <a:rPr lang="en-US" altLang="ko-KR" sz="2300" dirty="0" smtClean="0">
+                        <a:rPr lang="en-US" altLang="ko-KR" sz="2300" dirty="0">
                           <a:solidFill>
                             <a:srgbClr val="BAE8E8"/>
                           </a:solidFill>
@@ -14574,7 +15718,7 @@
                     <a:p>
                       <a:pPr latinLnBrk="1"/>
                       <a:r>
-                        <a:rPr lang="en-US" altLang="ko-KR" sz="2300" dirty="0" smtClean="0">
+                        <a:rPr lang="en-US" altLang="ko-KR" sz="2300" dirty="0">
                           <a:solidFill>
                             <a:srgbClr val="BAE8E8"/>
                           </a:solidFill>
@@ -14710,15 +15854,7 @@
                   <a:srgbClr val="BAE8E8"/>
                 </a:solidFill>
               </a:rPr>
-              <a:t>d</a:t>
-            </a:r>
-            <a:r>
-              <a:rPr lang="en-US" altLang="ko-KR" dirty="0" smtClean="0">
-                <a:solidFill>
-                  <a:srgbClr val="BAE8E8"/>
-                </a:solidFill>
-              </a:rPr>
-              <a:t>ouble(8byte) * 8 = 64byte</a:t>
+              <a:t>double(8byte) * 8 = 64byte</a:t>
             </a:r>
             <a:endParaRPr lang="ko-KR" altLang="en-US" dirty="0">
               <a:solidFill>
@@ -14738,13 +15874,6 @@
   <p:clrMapOvr>
     <a:masterClrMapping/>
   </p:clrMapOvr>
-  <p:timing>
-    <p:tnLst>
-      <p:par>
-        <p:cTn id="1" dur="indefinite" restart="never" nodeType="tmRoot"/>
-      </p:par>
-    </p:tnLst>
-  </p:timing>
 </p:sld>
 </file>
 
